--- a/lastname_Team8_FA_TalkingPointsPaper.pptx
+++ b/lastname_Team8_FA_TalkingPointsPaper.pptx
@@ -5,30 +5,35 @@
     <p:sldMasterId id="2147483924" r:id="rId1"/>
   </p:sldMasterIdLst>
   <p:notesMasterIdLst>
-    <p:notesMasterId r:id="rId20"/>
+    <p:notesMasterId r:id="rId25"/>
   </p:notesMasterIdLst>
   <p:handoutMasterIdLst>
-    <p:handoutMasterId r:id="rId21"/>
+    <p:handoutMasterId r:id="rId26"/>
   </p:handoutMasterIdLst>
   <p:sldIdLst>
     <p:sldId id="268" r:id="rId2"/>
     <p:sldId id="269" r:id="rId3"/>
     <p:sldId id="270" r:id="rId4"/>
     <p:sldId id="271" r:id="rId5"/>
-    <p:sldId id="272" r:id="rId6"/>
-    <p:sldId id="273" r:id="rId7"/>
-    <p:sldId id="274" r:id="rId8"/>
-    <p:sldId id="277" r:id="rId9"/>
-    <p:sldId id="278" r:id="rId10"/>
-    <p:sldId id="279" r:id="rId11"/>
-    <p:sldId id="282" r:id="rId12"/>
-    <p:sldId id="281" r:id="rId13"/>
-    <p:sldId id="284" r:id="rId14"/>
-    <p:sldId id="283" r:id="rId15"/>
-    <p:sldId id="280" r:id="rId16"/>
-    <p:sldId id="285" r:id="rId17"/>
-    <p:sldId id="287" r:id="rId18"/>
-    <p:sldId id="286" r:id="rId19"/>
+    <p:sldId id="273" r:id="rId6"/>
+    <p:sldId id="274" r:id="rId7"/>
+    <p:sldId id="288" r:id="rId8"/>
+    <p:sldId id="289" r:id="rId9"/>
+    <p:sldId id="290" r:id="rId10"/>
+    <p:sldId id="272" r:id="rId11"/>
+    <p:sldId id="291" r:id="rId12"/>
+    <p:sldId id="292" r:id="rId13"/>
+    <p:sldId id="277" r:id="rId14"/>
+    <p:sldId id="278" r:id="rId15"/>
+    <p:sldId id="279" r:id="rId16"/>
+    <p:sldId id="282" r:id="rId17"/>
+    <p:sldId id="281" r:id="rId18"/>
+    <p:sldId id="284" r:id="rId19"/>
+    <p:sldId id="283" r:id="rId20"/>
+    <p:sldId id="280" r:id="rId21"/>
+    <p:sldId id="285" r:id="rId22"/>
+    <p:sldId id="287" r:id="rId23"/>
+    <p:sldId id="286" r:id="rId24"/>
   </p:sldIdLst>
   <p:sldSz cx="12188825" cy="6858000"/>
   <p:notesSz cx="6858000" cy="9144000"/>
@@ -257,7 +262,7 @@
           <a:p>
             <a:fld id="{BEA74EB7-856E-45FD-83F0-5F7C6F3E4372}" type="datetimeFigureOut">
               <a:rPr lang="en-US"/>
-              <a:t>11/3/2023</a:t>
+              <a:t>11/10/2023</a:t>
             </a:fld>
             <a:endParaRPr dirty="0"/>
           </a:p>
@@ -422,7 +427,7 @@
           <a:p>
             <a:fld id="{C61B0E40-8125-41F8-BB6C-139D8D531A4F}" type="datetimeFigureOut">
               <a:rPr lang="en-US"/>
-              <a:t>11/3/2023</a:t>
+              <a:t>11/10/2023</a:t>
             </a:fld>
             <a:endParaRPr dirty="0"/>
           </a:p>
@@ -812,7 +817,7 @@
           <a:bodyPr/>
           <a:lstStyle/>
           <a:p>
-            <a:endParaRPr lang="en-US" dirty="0"/>
+            <a:endParaRPr lang="en-US"/>
           </a:p>
         </p:txBody>
       </p:sp>
@@ -842,7 +847,7 @@
     </p:spTree>
     <p:extLst>
       <p:ext uri="{BB962C8B-B14F-4D97-AF65-F5344CB8AC3E}">
-        <p14:creationId xmlns:p14="http://schemas.microsoft.com/office/powerpoint/2010/main" val="1916202824"/>
+        <p14:creationId xmlns:p14="http://schemas.microsoft.com/office/powerpoint/2010/main" val="1965874506"/>
       </p:ext>
     </p:extLst>
   </p:cSld>
@@ -896,7 +901,7 @@
           <a:bodyPr/>
           <a:lstStyle/>
           <a:p>
-            <a:endParaRPr lang="en-US" dirty="0"/>
+            <a:endParaRPr lang="en-US"/>
           </a:p>
         </p:txBody>
       </p:sp>
@@ -926,7 +931,7 @@
     </p:spTree>
     <p:extLst>
       <p:ext uri="{BB962C8B-B14F-4D97-AF65-F5344CB8AC3E}">
-        <p14:creationId xmlns:p14="http://schemas.microsoft.com/office/powerpoint/2010/main" val="4160240931"/>
+        <p14:creationId xmlns:p14="http://schemas.microsoft.com/office/powerpoint/2010/main" val="1400489487"/>
       </p:ext>
     </p:extLst>
   </p:cSld>
@@ -980,7 +985,7 @@
           <a:bodyPr/>
           <a:lstStyle/>
           <a:p>
-            <a:endParaRPr lang="en-US" dirty="0"/>
+            <a:endParaRPr lang="en-US"/>
           </a:p>
         </p:txBody>
       </p:sp>
@@ -1010,7 +1015,7 @@
     </p:spTree>
     <p:extLst>
       <p:ext uri="{BB962C8B-B14F-4D97-AF65-F5344CB8AC3E}">
-        <p14:creationId xmlns:p14="http://schemas.microsoft.com/office/powerpoint/2010/main" val="1189757660"/>
+        <p14:creationId xmlns:p14="http://schemas.microsoft.com/office/powerpoint/2010/main" val="1169345696"/>
       </p:ext>
     </p:extLst>
   </p:cSld>
@@ -1064,7 +1069,7 @@
           <a:bodyPr/>
           <a:lstStyle/>
           <a:p>
-            <a:endParaRPr lang="en-US" dirty="0"/>
+            <a:endParaRPr lang="en-US"/>
           </a:p>
         </p:txBody>
       </p:sp>
@@ -1094,7 +1099,7 @@
     </p:spTree>
     <p:extLst>
       <p:ext uri="{BB962C8B-B14F-4D97-AF65-F5344CB8AC3E}">
-        <p14:creationId xmlns:p14="http://schemas.microsoft.com/office/powerpoint/2010/main" val="1028990858"/>
+        <p14:creationId xmlns:p14="http://schemas.microsoft.com/office/powerpoint/2010/main" val="1581744821"/>
       </p:ext>
     </p:extLst>
   </p:cSld>
@@ -1178,7 +1183,7 @@
     </p:spTree>
     <p:extLst>
       <p:ext uri="{BB962C8B-B14F-4D97-AF65-F5344CB8AC3E}">
-        <p14:creationId xmlns:p14="http://schemas.microsoft.com/office/powerpoint/2010/main" val="909790706"/>
+        <p14:creationId xmlns:p14="http://schemas.microsoft.com/office/powerpoint/2010/main" val="3272217826"/>
       </p:ext>
     </p:extLst>
   </p:cSld>
@@ -1262,7 +1267,7 @@
     </p:spTree>
     <p:extLst>
       <p:ext uri="{BB962C8B-B14F-4D97-AF65-F5344CB8AC3E}">
-        <p14:creationId xmlns:p14="http://schemas.microsoft.com/office/powerpoint/2010/main" val="4146856930"/>
+        <p14:creationId xmlns:p14="http://schemas.microsoft.com/office/powerpoint/2010/main" val="1916202824"/>
       </p:ext>
     </p:extLst>
   </p:cSld>
@@ -1346,7 +1351,7 @@
     </p:spTree>
     <p:extLst>
       <p:ext uri="{BB962C8B-B14F-4D97-AF65-F5344CB8AC3E}">
-        <p14:creationId xmlns:p14="http://schemas.microsoft.com/office/powerpoint/2010/main" val="2030962026"/>
+        <p14:creationId xmlns:p14="http://schemas.microsoft.com/office/powerpoint/2010/main" val="4160240931"/>
       </p:ext>
     </p:extLst>
   </p:cSld>
@@ -1430,7 +1435,7 @@
     </p:spTree>
     <p:extLst>
       <p:ext uri="{BB962C8B-B14F-4D97-AF65-F5344CB8AC3E}">
-        <p14:creationId xmlns:p14="http://schemas.microsoft.com/office/powerpoint/2010/main" val="1556204907"/>
+        <p14:creationId xmlns:p14="http://schemas.microsoft.com/office/powerpoint/2010/main" val="1189757660"/>
       </p:ext>
     </p:extLst>
   </p:cSld>
@@ -1514,7 +1519,91 @@
     </p:spTree>
     <p:extLst>
       <p:ext uri="{BB962C8B-B14F-4D97-AF65-F5344CB8AC3E}">
-        <p14:creationId xmlns:p14="http://schemas.microsoft.com/office/powerpoint/2010/main" val="526102921"/>
+        <p14:creationId xmlns:p14="http://schemas.microsoft.com/office/powerpoint/2010/main" val="1028990858"/>
+      </p:ext>
+    </p:extLst>
+  </p:cSld>
+  <p:clrMapOvr>
+    <a:masterClrMapping/>
+  </p:clrMapOvr>
+</p:notes>
+</file>
+
+<file path=ppt/notesSlides/notesSlide19.xml><?xml version="1.0" encoding="utf-8"?>
+<p:notes xmlns:a="http://schemas.openxmlformats.org/drawingml/2006/main" xmlns:r="http://schemas.openxmlformats.org/officeDocument/2006/relationships" xmlns:p="http://schemas.openxmlformats.org/presentationml/2006/main">
+  <p:cSld>
+    <p:spTree>
+      <p:nvGrpSpPr>
+        <p:cNvPr id="1" name=""/>
+        <p:cNvGrpSpPr/>
+        <p:nvPr/>
+      </p:nvGrpSpPr>
+      <p:grpSpPr>
+        <a:xfrm>
+          <a:off x="0" y="0"/>
+          <a:ext cx="0" cy="0"/>
+          <a:chOff x="0" y="0"/>
+          <a:chExt cx="0" cy="0"/>
+        </a:xfrm>
+      </p:grpSpPr>
+      <p:sp>
+        <p:nvSpPr>
+          <p:cNvPr id="2" name="Slide Image Placeholder 1"/>
+          <p:cNvSpPr>
+            <a:spLocks noGrp="1" noRot="1" noChangeAspect="1"/>
+          </p:cNvSpPr>
+          <p:nvPr>
+            <p:ph type="sldImg"/>
+          </p:nvPr>
+        </p:nvSpPr>
+        <p:spPr/>
+      </p:sp>
+      <p:sp>
+        <p:nvSpPr>
+          <p:cNvPr id="3" name="Notes Placeholder 2"/>
+          <p:cNvSpPr>
+            <a:spLocks noGrp="1"/>
+          </p:cNvSpPr>
+          <p:nvPr>
+            <p:ph type="body" idx="1"/>
+          </p:nvPr>
+        </p:nvSpPr>
+        <p:spPr/>
+        <p:txBody>
+          <a:bodyPr/>
+          <a:lstStyle/>
+          <a:p>
+            <a:endParaRPr lang="en-US" dirty="0"/>
+          </a:p>
+        </p:txBody>
+      </p:sp>
+      <p:sp>
+        <p:nvSpPr>
+          <p:cNvPr id="4" name="Slide Number Placeholder 3"/>
+          <p:cNvSpPr>
+            <a:spLocks noGrp="1"/>
+          </p:cNvSpPr>
+          <p:nvPr>
+            <p:ph type="sldNum" sz="quarter" idx="10"/>
+          </p:nvPr>
+        </p:nvSpPr>
+        <p:spPr/>
+        <p:txBody>
+          <a:bodyPr/>
+          <a:lstStyle/>
+          <a:p>
+            <a:fld id="{BF105DB2-FD3E-441D-8B7E-7AE83ECE27B3}" type="slidenum">
+              <a:rPr lang="en-US" smtClean="0"/>
+              <a:t>19</a:t>
+            </a:fld>
+            <a:endParaRPr lang="en-US" dirty="0"/>
+          </a:p>
+        </p:txBody>
+      </p:sp>
+    </p:spTree>
+    <p:extLst>
+      <p:ext uri="{BB962C8B-B14F-4D97-AF65-F5344CB8AC3E}">
+        <p14:creationId xmlns:p14="http://schemas.microsoft.com/office/powerpoint/2010/main" val="909790706"/>
       </p:ext>
     </p:extLst>
   </p:cSld>
@@ -1599,6 +1688,342 @@
     <p:extLst>
       <p:ext uri="{BB962C8B-B14F-4D97-AF65-F5344CB8AC3E}">
         <p14:creationId xmlns:p14="http://schemas.microsoft.com/office/powerpoint/2010/main" val="2725600195"/>
+      </p:ext>
+    </p:extLst>
+  </p:cSld>
+  <p:clrMapOvr>
+    <a:masterClrMapping/>
+  </p:clrMapOvr>
+</p:notes>
+</file>
+
+<file path=ppt/notesSlides/notesSlide20.xml><?xml version="1.0" encoding="utf-8"?>
+<p:notes xmlns:a="http://schemas.openxmlformats.org/drawingml/2006/main" xmlns:r="http://schemas.openxmlformats.org/officeDocument/2006/relationships" xmlns:p="http://schemas.openxmlformats.org/presentationml/2006/main">
+  <p:cSld>
+    <p:spTree>
+      <p:nvGrpSpPr>
+        <p:cNvPr id="1" name=""/>
+        <p:cNvGrpSpPr/>
+        <p:nvPr/>
+      </p:nvGrpSpPr>
+      <p:grpSpPr>
+        <a:xfrm>
+          <a:off x="0" y="0"/>
+          <a:ext cx="0" cy="0"/>
+          <a:chOff x="0" y="0"/>
+          <a:chExt cx="0" cy="0"/>
+        </a:xfrm>
+      </p:grpSpPr>
+      <p:sp>
+        <p:nvSpPr>
+          <p:cNvPr id="2" name="Slide Image Placeholder 1"/>
+          <p:cNvSpPr>
+            <a:spLocks noGrp="1" noRot="1" noChangeAspect="1"/>
+          </p:cNvSpPr>
+          <p:nvPr>
+            <p:ph type="sldImg"/>
+          </p:nvPr>
+        </p:nvSpPr>
+        <p:spPr/>
+      </p:sp>
+      <p:sp>
+        <p:nvSpPr>
+          <p:cNvPr id="3" name="Notes Placeholder 2"/>
+          <p:cNvSpPr>
+            <a:spLocks noGrp="1"/>
+          </p:cNvSpPr>
+          <p:nvPr>
+            <p:ph type="body" idx="1"/>
+          </p:nvPr>
+        </p:nvSpPr>
+        <p:spPr/>
+        <p:txBody>
+          <a:bodyPr/>
+          <a:lstStyle/>
+          <a:p>
+            <a:endParaRPr lang="en-US" dirty="0"/>
+          </a:p>
+        </p:txBody>
+      </p:sp>
+      <p:sp>
+        <p:nvSpPr>
+          <p:cNvPr id="4" name="Slide Number Placeholder 3"/>
+          <p:cNvSpPr>
+            <a:spLocks noGrp="1"/>
+          </p:cNvSpPr>
+          <p:nvPr>
+            <p:ph type="sldNum" sz="quarter" idx="10"/>
+          </p:nvPr>
+        </p:nvSpPr>
+        <p:spPr/>
+        <p:txBody>
+          <a:bodyPr/>
+          <a:lstStyle/>
+          <a:p>
+            <a:fld id="{BF105DB2-FD3E-441D-8B7E-7AE83ECE27B3}" type="slidenum">
+              <a:rPr lang="en-US" smtClean="0"/>
+              <a:t>20</a:t>
+            </a:fld>
+            <a:endParaRPr lang="en-US" dirty="0"/>
+          </a:p>
+        </p:txBody>
+      </p:sp>
+    </p:spTree>
+    <p:extLst>
+      <p:ext uri="{BB962C8B-B14F-4D97-AF65-F5344CB8AC3E}">
+        <p14:creationId xmlns:p14="http://schemas.microsoft.com/office/powerpoint/2010/main" val="4146856930"/>
+      </p:ext>
+    </p:extLst>
+  </p:cSld>
+  <p:clrMapOvr>
+    <a:masterClrMapping/>
+  </p:clrMapOvr>
+</p:notes>
+</file>
+
+<file path=ppt/notesSlides/notesSlide21.xml><?xml version="1.0" encoding="utf-8"?>
+<p:notes xmlns:a="http://schemas.openxmlformats.org/drawingml/2006/main" xmlns:r="http://schemas.openxmlformats.org/officeDocument/2006/relationships" xmlns:p="http://schemas.openxmlformats.org/presentationml/2006/main">
+  <p:cSld>
+    <p:spTree>
+      <p:nvGrpSpPr>
+        <p:cNvPr id="1" name=""/>
+        <p:cNvGrpSpPr/>
+        <p:nvPr/>
+      </p:nvGrpSpPr>
+      <p:grpSpPr>
+        <a:xfrm>
+          <a:off x="0" y="0"/>
+          <a:ext cx="0" cy="0"/>
+          <a:chOff x="0" y="0"/>
+          <a:chExt cx="0" cy="0"/>
+        </a:xfrm>
+      </p:grpSpPr>
+      <p:sp>
+        <p:nvSpPr>
+          <p:cNvPr id="2" name="Slide Image Placeholder 1"/>
+          <p:cNvSpPr>
+            <a:spLocks noGrp="1" noRot="1" noChangeAspect="1"/>
+          </p:cNvSpPr>
+          <p:nvPr>
+            <p:ph type="sldImg"/>
+          </p:nvPr>
+        </p:nvSpPr>
+        <p:spPr/>
+      </p:sp>
+      <p:sp>
+        <p:nvSpPr>
+          <p:cNvPr id="3" name="Notes Placeholder 2"/>
+          <p:cNvSpPr>
+            <a:spLocks noGrp="1"/>
+          </p:cNvSpPr>
+          <p:nvPr>
+            <p:ph type="body" idx="1"/>
+          </p:nvPr>
+        </p:nvSpPr>
+        <p:spPr/>
+        <p:txBody>
+          <a:bodyPr/>
+          <a:lstStyle/>
+          <a:p>
+            <a:endParaRPr lang="en-US" dirty="0"/>
+          </a:p>
+        </p:txBody>
+      </p:sp>
+      <p:sp>
+        <p:nvSpPr>
+          <p:cNvPr id="4" name="Slide Number Placeholder 3"/>
+          <p:cNvSpPr>
+            <a:spLocks noGrp="1"/>
+          </p:cNvSpPr>
+          <p:nvPr>
+            <p:ph type="sldNum" sz="quarter" idx="10"/>
+          </p:nvPr>
+        </p:nvSpPr>
+        <p:spPr/>
+        <p:txBody>
+          <a:bodyPr/>
+          <a:lstStyle/>
+          <a:p>
+            <a:fld id="{BF105DB2-FD3E-441D-8B7E-7AE83ECE27B3}" type="slidenum">
+              <a:rPr lang="en-US" smtClean="0"/>
+              <a:t>21</a:t>
+            </a:fld>
+            <a:endParaRPr lang="en-US" dirty="0"/>
+          </a:p>
+        </p:txBody>
+      </p:sp>
+    </p:spTree>
+    <p:extLst>
+      <p:ext uri="{BB962C8B-B14F-4D97-AF65-F5344CB8AC3E}">
+        <p14:creationId xmlns:p14="http://schemas.microsoft.com/office/powerpoint/2010/main" val="2030962026"/>
+      </p:ext>
+    </p:extLst>
+  </p:cSld>
+  <p:clrMapOvr>
+    <a:masterClrMapping/>
+  </p:clrMapOvr>
+</p:notes>
+</file>
+
+<file path=ppt/notesSlides/notesSlide22.xml><?xml version="1.0" encoding="utf-8"?>
+<p:notes xmlns:a="http://schemas.openxmlformats.org/drawingml/2006/main" xmlns:r="http://schemas.openxmlformats.org/officeDocument/2006/relationships" xmlns:p="http://schemas.openxmlformats.org/presentationml/2006/main">
+  <p:cSld>
+    <p:spTree>
+      <p:nvGrpSpPr>
+        <p:cNvPr id="1" name=""/>
+        <p:cNvGrpSpPr/>
+        <p:nvPr/>
+      </p:nvGrpSpPr>
+      <p:grpSpPr>
+        <a:xfrm>
+          <a:off x="0" y="0"/>
+          <a:ext cx="0" cy="0"/>
+          <a:chOff x="0" y="0"/>
+          <a:chExt cx="0" cy="0"/>
+        </a:xfrm>
+      </p:grpSpPr>
+      <p:sp>
+        <p:nvSpPr>
+          <p:cNvPr id="2" name="Slide Image Placeholder 1"/>
+          <p:cNvSpPr>
+            <a:spLocks noGrp="1" noRot="1" noChangeAspect="1"/>
+          </p:cNvSpPr>
+          <p:nvPr>
+            <p:ph type="sldImg"/>
+          </p:nvPr>
+        </p:nvSpPr>
+        <p:spPr/>
+      </p:sp>
+      <p:sp>
+        <p:nvSpPr>
+          <p:cNvPr id="3" name="Notes Placeholder 2"/>
+          <p:cNvSpPr>
+            <a:spLocks noGrp="1"/>
+          </p:cNvSpPr>
+          <p:nvPr>
+            <p:ph type="body" idx="1"/>
+          </p:nvPr>
+        </p:nvSpPr>
+        <p:spPr/>
+        <p:txBody>
+          <a:bodyPr/>
+          <a:lstStyle/>
+          <a:p>
+            <a:endParaRPr lang="en-US" dirty="0"/>
+          </a:p>
+        </p:txBody>
+      </p:sp>
+      <p:sp>
+        <p:nvSpPr>
+          <p:cNvPr id="4" name="Slide Number Placeholder 3"/>
+          <p:cNvSpPr>
+            <a:spLocks noGrp="1"/>
+          </p:cNvSpPr>
+          <p:nvPr>
+            <p:ph type="sldNum" sz="quarter" idx="10"/>
+          </p:nvPr>
+        </p:nvSpPr>
+        <p:spPr/>
+        <p:txBody>
+          <a:bodyPr/>
+          <a:lstStyle/>
+          <a:p>
+            <a:fld id="{BF105DB2-FD3E-441D-8B7E-7AE83ECE27B3}" type="slidenum">
+              <a:rPr lang="en-US" smtClean="0"/>
+              <a:t>22</a:t>
+            </a:fld>
+            <a:endParaRPr lang="en-US" dirty="0"/>
+          </a:p>
+        </p:txBody>
+      </p:sp>
+    </p:spTree>
+    <p:extLst>
+      <p:ext uri="{BB962C8B-B14F-4D97-AF65-F5344CB8AC3E}">
+        <p14:creationId xmlns:p14="http://schemas.microsoft.com/office/powerpoint/2010/main" val="1556204907"/>
+      </p:ext>
+    </p:extLst>
+  </p:cSld>
+  <p:clrMapOvr>
+    <a:masterClrMapping/>
+  </p:clrMapOvr>
+</p:notes>
+</file>
+
+<file path=ppt/notesSlides/notesSlide23.xml><?xml version="1.0" encoding="utf-8"?>
+<p:notes xmlns:a="http://schemas.openxmlformats.org/drawingml/2006/main" xmlns:r="http://schemas.openxmlformats.org/officeDocument/2006/relationships" xmlns:p="http://schemas.openxmlformats.org/presentationml/2006/main">
+  <p:cSld>
+    <p:spTree>
+      <p:nvGrpSpPr>
+        <p:cNvPr id="1" name=""/>
+        <p:cNvGrpSpPr/>
+        <p:nvPr/>
+      </p:nvGrpSpPr>
+      <p:grpSpPr>
+        <a:xfrm>
+          <a:off x="0" y="0"/>
+          <a:ext cx="0" cy="0"/>
+          <a:chOff x="0" y="0"/>
+          <a:chExt cx="0" cy="0"/>
+        </a:xfrm>
+      </p:grpSpPr>
+      <p:sp>
+        <p:nvSpPr>
+          <p:cNvPr id="2" name="Slide Image Placeholder 1"/>
+          <p:cNvSpPr>
+            <a:spLocks noGrp="1" noRot="1" noChangeAspect="1"/>
+          </p:cNvSpPr>
+          <p:nvPr>
+            <p:ph type="sldImg"/>
+          </p:nvPr>
+        </p:nvSpPr>
+        <p:spPr/>
+      </p:sp>
+      <p:sp>
+        <p:nvSpPr>
+          <p:cNvPr id="3" name="Notes Placeholder 2"/>
+          <p:cNvSpPr>
+            <a:spLocks noGrp="1"/>
+          </p:cNvSpPr>
+          <p:nvPr>
+            <p:ph type="body" idx="1"/>
+          </p:nvPr>
+        </p:nvSpPr>
+        <p:spPr/>
+        <p:txBody>
+          <a:bodyPr/>
+          <a:lstStyle/>
+          <a:p>
+            <a:endParaRPr lang="en-US" dirty="0"/>
+          </a:p>
+        </p:txBody>
+      </p:sp>
+      <p:sp>
+        <p:nvSpPr>
+          <p:cNvPr id="4" name="Slide Number Placeholder 3"/>
+          <p:cNvSpPr>
+            <a:spLocks noGrp="1"/>
+          </p:cNvSpPr>
+          <p:nvPr>
+            <p:ph type="sldNum" sz="quarter" idx="10"/>
+          </p:nvPr>
+        </p:nvSpPr>
+        <p:spPr/>
+        <p:txBody>
+          <a:bodyPr/>
+          <a:lstStyle/>
+          <a:p>
+            <a:fld id="{BF105DB2-FD3E-441D-8B7E-7AE83ECE27B3}" type="slidenum">
+              <a:rPr lang="en-US" smtClean="0"/>
+              <a:t>23</a:t>
+            </a:fld>
+            <a:endParaRPr lang="en-US" dirty="0"/>
+          </a:p>
+        </p:txBody>
+      </p:sp>
+    </p:spTree>
+    <p:extLst>
+      <p:ext uri="{BB962C8B-B14F-4D97-AF65-F5344CB8AC3E}">
+        <p14:creationId xmlns:p14="http://schemas.microsoft.com/office/powerpoint/2010/main" val="526102921"/>
       </p:ext>
     </p:extLst>
   </p:cSld>
@@ -1850,7 +2275,7 @@
     </p:spTree>
     <p:extLst>
       <p:ext uri="{BB962C8B-B14F-4D97-AF65-F5344CB8AC3E}">
-        <p14:creationId xmlns:p14="http://schemas.microsoft.com/office/powerpoint/2010/main" val="1965874506"/>
+        <p14:creationId xmlns:p14="http://schemas.microsoft.com/office/powerpoint/2010/main" val="1400489487"/>
       </p:ext>
     </p:extLst>
   </p:cSld>
@@ -1934,7 +2359,7 @@
     </p:spTree>
     <p:extLst>
       <p:ext uri="{BB962C8B-B14F-4D97-AF65-F5344CB8AC3E}">
-        <p14:creationId xmlns:p14="http://schemas.microsoft.com/office/powerpoint/2010/main" val="1400489487"/>
+        <p14:creationId xmlns:p14="http://schemas.microsoft.com/office/powerpoint/2010/main" val="1169345696"/>
       </p:ext>
     </p:extLst>
   </p:cSld>
@@ -2018,7 +2443,7 @@
     </p:spTree>
     <p:extLst>
       <p:ext uri="{BB962C8B-B14F-4D97-AF65-F5344CB8AC3E}">
-        <p14:creationId xmlns:p14="http://schemas.microsoft.com/office/powerpoint/2010/main" val="1169345696"/>
+        <p14:creationId xmlns:p14="http://schemas.microsoft.com/office/powerpoint/2010/main" val="2725600195"/>
       </p:ext>
     </p:extLst>
   </p:cSld>
@@ -2102,7 +2527,7 @@
     </p:spTree>
     <p:extLst>
       <p:ext uri="{BB962C8B-B14F-4D97-AF65-F5344CB8AC3E}">
-        <p14:creationId xmlns:p14="http://schemas.microsoft.com/office/powerpoint/2010/main" val="1581744821"/>
+        <p14:creationId xmlns:p14="http://schemas.microsoft.com/office/powerpoint/2010/main" val="3546443938"/>
       </p:ext>
     </p:extLst>
   </p:cSld>
@@ -2156,7 +2581,7 @@
           <a:bodyPr/>
           <a:lstStyle/>
           <a:p>
-            <a:endParaRPr lang="en-US" dirty="0"/>
+            <a:endParaRPr lang="en-US"/>
           </a:p>
         </p:txBody>
       </p:sp>
@@ -2186,7 +2611,7 @@
     </p:spTree>
     <p:extLst>
       <p:ext uri="{BB962C8B-B14F-4D97-AF65-F5344CB8AC3E}">
-        <p14:creationId xmlns:p14="http://schemas.microsoft.com/office/powerpoint/2010/main" val="3272217826"/>
+        <p14:creationId xmlns:p14="http://schemas.microsoft.com/office/powerpoint/2010/main" val="2805730251"/>
       </p:ext>
     </p:extLst>
   </p:cSld>
@@ -2774,7 +3199,7 @@
           <a:p>
             <a:fld id="{333B76B7-5811-4114-8A95-998148FFD529}" type="datetime1">
               <a:rPr lang="en-US" smtClean="0"/>
-              <a:t>11/3/2023</a:t>
+              <a:t>11/10/2023</a:t>
             </a:fld>
             <a:endParaRPr lang="en-US" dirty="0"/>
           </a:p>
@@ -2976,7 +3401,7 @@
           <a:p>
             <a:fld id="{175C077A-EF7A-41AA-8976-110EB7416C60}" type="datetime1">
               <a:rPr lang="en-US" smtClean="0"/>
-              <a:t>11/3/2023</a:t>
+              <a:t>11/10/2023</a:t>
             </a:fld>
             <a:endParaRPr lang="en-US" dirty="0"/>
           </a:p>
@@ -3188,7 +3613,7 @@
           <a:p>
             <a:fld id="{CFF5912B-6681-4BDF-AE10-F59636249FF3}" type="datetime1">
               <a:rPr lang="en-US" smtClean="0"/>
-              <a:t>11/3/2023</a:t>
+              <a:t>11/10/2023</a:t>
             </a:fld>
             <a:endParaRPr lang="en-US" dirty="0"/>
           </a:p>
@@ -3380,7 +3805,7 @@
           <a:p>
             <a:fld id="{905C8E22-D0BA-4CB4-9C32-B27533199514}" type="datetime1">
               <a:rPr lang="en-US" smtClean="0"/>
-              <a:t>11/3/2023</a:t>
+              <a:t>11/10/2023</a:t>
             </a:fld>
             <a:endParaRPr dirty="0"/>
           </a:p>
@@ -3572,7 +3997,7 @@
           <a:p>
             <a:fld id="{FC2180A9-7A83-412D-A8AC-5AF60A8AA507}" type="datetime1">
               <a:rPr lang="en-US" smtClean="0"/>
-              <a:t>11/3/2023</a:t>
+              <a:t>11/10/2023</a:t>
             </a:fld>
             <a:endParaRPr lang="en-US" dirty="0"/>
           </a:p>
@@ -3855,7 +4280,7 @@
           <a:p>
             <a:fld id="{6A563DF0-FDDF-4143-9D8C-6AF41892E174}" type="datetime1">
               <a:rPr lang="en-US" smtClean="0"/>
-              <a:t>11/3/2023</a:t>
+              <a:t>11/10/2023</a:t>
             </a:fld>
             <a:endParaRPr lang="en-US" dirty="0"/>
           </a:p>
@@ -4171,7 +4596,7 @@
           <a:p>
             <a:fld id="{38BB83F9-4677-4C31-8407-7919061A580B}" type="datetime1">
               <a:rPr lang="en-US" smtClean="0"/>
-              <a:t>11/3/2023</a:t>
+              <a:t>11/10/2023</a:t>
             </a:fld>
             <a:endParaRPr lang="en-US" dirty="0"/>
           </a:p>
@@ -4623,7 +5048,7 @@
           <a:p>
             <a:fld id="{C33939A6-3450-434F-A872-BEE63F7EB093}" type="datetime1">
               <a:rPr lang="en-US" smtClean="0"/>
-              <a:t>11/3/2023</a:t>
+              <a:t>11/10/2023</a:t>
             </a:fld>
             <a:endParaRPr lang="en-US" dirty="0"/>
           </a:p>
@@ -4757,7 +5182,7 @@
           <a:p>
             <a:fld id="{E3BABB1C-FA00-4171-BA31-4C5E719472F3}" type="datetime1">
               <a:rPr lang="en-US" smtClean="0"/>
-              <a:t>11/3/2023</a:t>
+              <a:t>11/10/2023</a:t>
             </a:fld>
             <a:endParaRPr lang="en-US" dirty="0"/>
           </a:p>
@@ -5018,7 +5443,7 @@
           <a:p>
             <a:fld id="{D76C8610-5B57-4C6B-BF9F-F5397A1F60B8}" type="datetime1">
               <a:rPr lang="en-US" smtClean="0"/>
-              <a:t>11/3/2023</a:t>
+              <a:t>11/10/2023</a:t>
             </a:fld>
             <a:endParaRPr lang="en-US" dirty="0"/>
           </a:p>
@@ -5369,7 +5794,7 @@
           <a:p>
             <a:fld id="{BADBF3DD-8B6D-46AA-BCA9-242D4EF63DDF}" type="datetime1">
               <a:rPr lang="en-US" smtClean="0"/>
-              <a:t>11/3/2023</a:t>
+              <a:t>11/10/2023</a:t>
             </a:fld>
             <a:endParaRPr lang="en-US" dirty="0"/>
           </a:p>
@@ -5708,7 +6133,7 @@
           <a:p>
             <a:fld id="{23C41AE9-3D4A-4A08-B03D-DC6D2ADF5464}" type="datetime1">
               <a:rPr lang="en-US" smtClean="0"/>
-              <a:t>11/3/2023</a:t>
+              <a:t>11/10/2023</a:t>
             </a:fld>
             <a:endParaRPr lang="en-US" dirty="0"/>
           </a:p>
@@ -6255,7 +6680,7 @@
             <a:fld id="{5C6E67D0-0200-42BE-A0B2-78C70FBBB312}" type="datetime1">
               <a:rPr lang="en-US" smtClean="0"/>
               <a:pPr/>
-              <a:t>11/3/2023</a:t>
+              <a:t>11/10/2023</a:t>
             </a:fld>
             <a:endParaRPr lang="en-US" dirty="0"/>
           </a:p>
@@ -6787,788 +7212,7 @@
             <a:pPr algn="ctr"/>
             <a:r>
               <a:rPr lang="en-US" dirty="0"/>
-              <a:t>Slide 9: The Where</a:t>
-            </a:r>
-          </a:p>
-        </p:txBody>
-      </p:sp>
-      <p:sp>
-        <p:nvSpPr>
-          <p:cNvPr id="2" name="Content Placeholder 1"/>
-          <p:cNvSpPr>
-            <a:spLocks noGrp="1"/>
-          </p:cNvSpPr>
-          <p:nvPr>
-            <p:ph idx="1"/>
-          </p:nvPr>
-        </p:nvSpPr>
-        <p:spPr/>
-        <p:txBody>
-          <a:bodyPr>
-            <a:normAutofit/>
-          </a:bodyPr>
-          <a:lstStyle/>
-          <a:p>
-            <a:pPr marL="0" indent="0">
-              <a:buNone/>
-            </a:pPr>
-            <a:endParaRPr lang="en-US" dirty="0"/>
-          </a:p>
-          <a:p>
-            <a:r>
-              <a:rPr lang="en-US" dirty="0"/>
-              <a:t>Now, let's examine 'The Where' in the RSA breach. Where did this critical incident unfold?"</a:t>
-            </a:r>
-          </a:p>
-          <a:p>
-            <a:r>
-              <a:rPr lang="en-US" dirty="0"/>
-              <a:t>Our focus will be on RSA Security's headquarters and its operations center, serving as central command posts for responding to the breach.</a:t>
-            </a:r>
-          </a:p>
-          <a:p>
-            <a:endParaRPr lang="en-US" dirty="0"/>
-          </a:p>
-        </p:txBody>
-      </p:sp>
-    </p:spTree>
-    <p:extLst>
-      <p:ext uri="{BB962C8B-B14F-4D97-AF65-F5344CB8AC3E}">
-        <p14:creationId xmlns:p14="http://schemas.microsoft.com/office/powerpoint/2010/main" val="3818646262"/>
-      </p:ext>
-    </p:extLst>
-  </p:cSld>
-  <p:clrMapOvr>
-    <a:masterClrMapping/>
-  </p:clrMapOvr>
-  <mc:AlternateContent xmlns:mc="http://schemas.openxmlformats.org/markup-compatibility/2006" xmlns:p14="http://schemas.microsoft.com/office/powerpoint/2010/main">
-    <mc:Choice Requires="p14">
-      <p:transition spd="med" p14:dur="700">
-        <p:fade/>
-      </p:transition>
-    </mc:Choice>
-    <mc:Fallback xmlns="">
-      <p:transition spd="med">
-        <p:fade/>
-      </p:transition>
-    </mc:Fallback>
-  </mc:AlternateContent>
-</p:sld>
-</file>
-
-<file path=ppt/slides/slide11.xml><?xml version="1.0" encoding="utf-8"?>
-<p:sld xmlns:a="http://schemas.openxmlformats.org/drawingml/2006/main" xmlns:r="http://schemas.openxmlformats.org/officeDocument/2006/relationships" xmlns:p="http://schemas.openxmlformats.org/presentationml/2006/main">
-  <p:cSld>
-    <p:spTree>
-      <p:nvGrpSpPr>
-        <p:cNvPr id="1" name=""/>
-        <p:cNvGrpSpPr/>
-        <p:nvPr/>
-      </p:nvGrpSpPr>
-      <p:grpSpPr>
-        <a:xfrm>
-          <a:off x="0" y="0"/>
-          <a:ext cx="0" cy="0"/>
-          <a:chOff x="0" y="0"/>
-          <a:chExt cx="0" cy="0"/>
-        </a:xfrm>
-      </p:grpSpPr>
-      <p:sp>
-        <p:nvSpPr>
-          <p:cNvPr id="3" name="Title 2"/>
-          <p:cNvSpPr>
-            <a:spLocks noGrp="1"/>
-          </p:cNvSpPr>
-          <p:nvPr>
-            <p:ph type="title"/>
-          </p:nvPr>
-        </p:nvSpPr>
-        <p:spPr/>
-        <p:txBody>
-          <a:bodyPr/>
-          <a:lstStyle/>
-          <a:p>
-            <a:pPr algn="ctr"/>
-            <a:r>
-              <a:rPr lang="en-US" dirty="0"/>
-              <a:t>Slide 10: RSA Headquarters and Operations Center</a:t>
-            </a:r>
-          </a:p>
-        </p:txBody>
-      </p:sp>
-      <p:sp>
-        <p:nvSpPr>
-          <p:cNvPr id="2" name="Content Placeholder 1"/>
-          <p:cNvSpPr>
-            <a:spLocks noGrp="1"/>
-          </p:cNvSpPr>
-          <p:nvPr>
-            <p:ph idx="1"/>
-          </p:nvPr>
-        </p:nvSpPr>
-        <p:spPr/>
-        <p:txBody>
-          <a:bodyPr>
-            <a:normAutofit/>
-          </a:bodyPr>
-          <a:lstStyle/>
-          <a:p>
-            <a:pPr marL="0" indent="0">
-              <a:buNone/>
-            </a:pPr>
-            <a:endParaRPr lang="en-US" dirty="0"/>
-          </a:p>
-          <a:p>
-            <a:pPr marL="0" indent="0">
-              <a:buNone/>
-            </a:pPr>
-            <a:r>
-              <a:rPr lang="en-US" dirty="0"/>
-              <a:t>RSA Security's headquarters and operations center played pivotal roles in responding to the breach."</a:t>
-            </a:r>
-          </a:p>
-          <a:p>
-            <a:pPr marL="0" indent="0">
-              <a:buNone/>
-            </a:pPr>
-            <a:r>
-              <a:rPr lang="en-US" dirty="0"/>
-              <a:t>We’ll describe the significance of these locations in managing the incident.</a:t>
-            </a:r>
-          </a:p>
-          <a:p>
-            <a:pPr marL="0" indent="0">
-              <a:buNone/>
-            </a:pPr>
-            <a:endParaRPr lang="en-US" dirty="0"/>
-          </a:p>
-        </p:txBody>
-      </p:sp>
-    </p:spTree>
-    <p:extLst>
-      <p:ext uri="{BB962C8B-B14F-4D97-AF65-F5344CB8AC3E}">
-        <p14:creationId xmlns:p14="http://schemas.microsoft.com/office/powerpoint/2010/main" val="3627623680"/>
-      </p:ext>
-    </p:extLst>
-  </p:cSld>
-  <p:clrMapOvr>
-    <a:masterClrMapping/>
-  </p:clrMapOvr>
-  <mc:AlternateContent xmlns:mc="http://schemas.openxmlformats.org/markup-compatibility/2006" xmlns:p14="http://schemas.microsoft.com/office/powerpoint/2010/main">
-    <mc:Choice Requires="p14">
-      <p:transition spd="med" p14:dur="700">
-        <p:fade/>
-      </p:transition>
-    </mc:Choice>
-    <mc:Fallback xmlns="">
-      <p:transition spd="med">
-        <p:fade/>
-      </p:transition>
-    </mc:Fallback>
-  </mc:AlternateContent>
-</p:sld>
-</file>
-
-<file path=ppt/slides/slide12.xml><?xml version="1.0" encoding="utf-8"?>
-<p:sld xmlns:a="http://schemas.openxmlformats.org/drawingml/2006/main" xmlns:r="http://schemas.openxmlformats.org/officeDocument/2006/relationships" xmlns:p="http://schemas.openxmlformats.org/presentationml/2006/main">
-  <p:cSld>
-    <p:spTree>
-      <p:nvGrpSpPr>
-        <p:cNvPr id="1" name=""/>
-        <p:cNvGrpSpPr/>
-        <p:nvPr/>
-      </p:nvGrpSpPr>
-      <p:grpSpPr>
-        <a:xfrm>
-          <a:off x="0" y="0"/>
-          <a:ext cx="0" cy="0"/>
-          <a:chOff x="0" y="0"/>
-          <a:chExt cx="0" cy="0"/>
-        </a:xfrm>
-      </p:grpSpPr>
-      <p:sp>
-        <p:nvSpPr>
-          <p:cNvPr id="3" name="Title 2"/>
-          <p:cNvSpPr>
-            <a:spLocks noGrp="1"/>
-          </p:cNvSpPr>
-          <p:nvPr>
-            <p:ph type="title"/>
-          </p:nvPr>
-        </p:nvSpPr>
-        <p:spPr/>
-        <p:txBody>
-          <a:bodyPr/>
-          <a:lstStyle/>
-          <a:p>
-            <a:pPr algn="ctr"/>
-            <a:r>
-              <a:rPr lang="en-US" dirty="0"/>
-              <a:t>Slide 11: Rackspace Cloud Hosting</a:t>
-            </a:r>
-          </a:p>
-        </p:txBody>
-      </p:sp>
-      <p:sp>
-        <p:nvSpPr>
-          <p:cNvPr id="2" name="Content Placeholder 1"/>
-          <p:cNvSpPr>
-            <a:spLocks noGrp="1"/>
-          </p:cNvSpPr>
-          <p:nvPr>
-            <p:ph idx="1"/>
-          </p:nvPr>
-        </p:nvSpPr>
-        <p:spPr>
-          <a:xfrm>
-            <a:off x="1674812" y="1828800"/>
-            <a:ext cx="9143538" cy="3697465"/>
-          </a:xfrm>
-        </p:spPr>
-        <p:txBody>
-          <a:bodyPr>
-            <a:normAutofit/>
-          </a:bodyPr>
-          <a:lstStyle/>
-          <a:p>
-            <a:pPr marL="0" indent="0">
-              <a:buNone/>
-            </a:pPr>
-            <a:endParaRPr lang="en-US" dirty="0"/>
-          </a:p>
-          <a:p>
-            <a:pPr marL="0" indent="0">
-              <a:buNone/>
-            </a:pPr>
-            <a:r>
-              <a:rPr lang="en-US" dirty="0"/>
-              <a:t>A pivotal breach phase involved the stolen seeds finding refuge on a server hosted by Rackspace, a cloud hosting provider."</a:t>
-            </a:r>
-          </a:p>
-          <a:p>
-            <a:pPr marL="0" indent="0">
-              <a:buNone/>
-            </a:pPr>
-            <a:r>
-              <a:rPr lang="en-US" dirty="0"/>
-              <a:t>We'll discuss the involvement of Rackspace and its significance in the investigation."</a:t>
-            </a:r>
-          </a:p>
-          <a:p>
-            <a:pPr marL="0" indent="0">
-              <a:buNone/>
-            </a:pPr>
-            <a:endParaRPr lang="en-US" dirty="0"/>
-          </a:p>
-        </p:txBody>
-      </p:sp>
-    </p:spTree>
-    <p:extLst>
-      <p:ext uri="{BB962C8B-B14F-4D97-AF65-F5344CB8AC3E}">
-        <p14:creationId xmlns:p14="http://schemas.microsoft.com/office/powerpoint/2010/main" val="2477706489"/>
-      </p:ext>
-    </p:extLst>
-  </p:cSld>
-  <p:clrMapOvr>
-    <a:masterClrMapping/>
-  </p:clrMapOvr>
-  <mc:AlternateContent xmlns:mc="http://schemas.openxmlformats.org/markup-compatibility/2006" xmlns:p14="http://schemas.microsoft.com/office/powerpoint/2010/main">
-    <mc:Choice Requires="p14">
-      <p:transition spd="med" p14:dur="700">
-        <p:fade/>
-      </p:transition>
-    </mc:Choice>
-    <mc:Fallback xmlns="">
-      <p:transition spd="med">
-        <p:fade/>
-      </p:transition>
-    </mc:Fallback>
-  </mc:AlternateContent>
-</p:sld>
-</file>
-
-<file path=ppt/slides/slide13.xml><?xml version="1.0" encoding="utf-8"?>
-<p:sld xmlns:a="http://schemas.openxmlformats.org/drawingml/2006/main" xmlns:r="http://schemas.openxmlformats.org/officeDocument/2006/relationships" xmlns:p="http://schemas.openxmlformats.org/presentationml/2006/main">
-  <p:cSld>
-    <p:spTree>
-      <p:nvGrpSpPr>
-        <p:cNvPr id="1" name=""/>
-        <p:cNvGrpSpPr/>
-        <p:nvPr/>
-      </p:nvGrpSpPr>
-      <p:grpSpPr>
-        <a:xfrm>
-          <a:off x="0" y="0"/>
-          <a:ext cx="0" cy="0"/>
-          <a:chOff x="0" y="0"/>
-          <a:chExt cx="0" cy="0"/>
-        </a:xfrm>
-      </p:grpSpPr>
-      <p:sp>
-        <p:nvSpPr>
-          <p:cNvPr id="3" name="Title 2"/>
-          <p:cNvSpPr>
-            <a:spLocks noGrp="1"/>
-          </p:cNvSpPr>
-          <p:nvPr>
-            <p:ph type="title"/>
-          </p:nvPr>
-        </p:nvSpPr>
-        <p:spPr/>
-        <p:txBody>
-          <a:bodyPr/>
-          <a:lstStyle/>
-          <a:p>
-            <a:pPr algn="ctr"/>
-            <a:r>
-              <a:rPr lang="en-US" dirty="0"/>
-              <a:t>Slide 12: The Why</a:t>
-            </a:r>
-          </a:p>
-        </p:txBody>
-      </p:sp>
-      <p:sp>
-        <p:nvSpPr>
-          <p:cNvPr id="2" name="Content Placeholder 1"/>
-          <p:cNvSpPr>
-            <a:spLocks noGrp="1"/>
-          </p:cNvSpPr>
-          <p:nvPr>
-            <p:ph idx="1"/>
-          </p:nvPr>
-        </p:nvSpPr>
-        <p:spPr/>
-        <p:txBody>
-          <a:bodyPr>
-            <a:normAutofit/>
-          </a:bodyPr>
-          <a:lstStyle/>
-          <a:p>
-            <a:pPr marL="0" indent="0">
-              <a:buNone/>
-            </a:pPr>
-            <a:endParaRPr lang="en-US" dirty="0"/>
-          </a:p>
-          <a:p>
-            <a:pPr marL="0" indent="0">
-              <a:buNone/>
-            </a:pPr>
-            <a:r>
-              <a:rPr lang="en-US" dirty="0"/>
-              <a:t>Understanding 'The Why' behind the attack is crucial to unraveling the RSA breach.</a:t>
-            </a:r>
-          </a:p>
-          <a:p>
-            <a:pPr marL="0" indent="0">
-              <a:buNone/>
-            </a:pPr>
-            <a:r>
-              <a:rPr lang="en-US" dirty="0"/>
-              <a:t>We'll explore the motivations of the attackers and the broader strategic and geopolitical goals they pursued.</a:t>
-            </a:r>
-          </a:p>
-          <a:p>
-            <a:pPr marL="0" indent="0">
-              <a:buNone/>
-            </a:pPr>
-            <a:endParaRPr lang="en-US" dirty="0"/>
-          </a:p>
-        </p:txBody>
-      </p:sp>
-    </p:spTree>
-    <p:extLst>
-      <p:ext uri="{BB962C8B-B14F-4D97-AF65-F5344CB8AC3E}">
-        <p14:creationId xmlns:p14="http://schemas.microsoft.com/office/powerpoint/2010/main" val="3330843289"/>
-      </p:ext>
-    </p:extLst>
-  </p:cSld>
-  <p:clrMapOvr>
-    <a:masterClrMapping/>
-  </p:clrMapOvr>
-  <mc:AlternateContent xmlns:mc="http://schemas.openxmlformats.org/markup-compatibility/2006" xmlns:p14="http://schemas.microsoft.com/office/powerpoint/2010/main">
-    <mc:Choice Requires="p14">
-      <p:transition spd="med" p14:dur="700">
-        <p:fade/>
-      </p:transition>
-    </mc:Choice>
-    <mc:Fallback xmlns="">
-      <p:transition spd="med">
-        <p:fade/>
-      </p:transition>
-    </mc:Fallback>
-  </mc:AlternateContent>
-</p:sld>
-</file>
-
-<file path=ppt/slides/slide14.xml><?xml version="1.0" encoding="utf-8"?>
-<p:sld xmlns:a="http://schemas.openxmlformats.org/drawingml/2006/main" xmlns:r="http://schemas.openxmlformats.org/officeDocument/2006/relationships" xmlns:p="http://schemas.openxmlformats.org/presentationml/2006/main">
-  <p:cSld>
-    <p:spTree>
-      <p:nvGrpSpPr>
-        <p:cNvPr id="1" name=""/>
-        <p:cNvGrpSpPr/>
-        <p:nvPr/>
-      </p:nvGrpSpPr>
-      <p:grpSpPr>
-        <a:xfrm>
-          <a:off x="0" y="0"/>
-          <a:ext cx="0" cy="0"/>
-          <a:chOff x="0" y="0"/>
-          <a:chExt cx="0" cy="0"/>
-        </a:xfrm>
-      </p:grpSpPr>
-      <p:sp>
-        <p:nvSpPr>
-          <p:cNvPr id="3" name="Title 2"/>
-          <p:cNvSpPr>
-            <a:spLocks noGrp="1"/>
-          </p:cNvSpPr>
-          <p:nvPr>
-            <p:ph type="title"/>
-          </p:nvPr>
-        </p:nvSpPr>
-        <p:spPr/>
-        <p:txBody>
-          <a:bodyPr/>
-          <a:lstStyle/>
-          <a:p>
-            <a:pPr algn="ctr"/>
-            <a:r>
-              <a:rPr lang="en-US" dirty="0"/>
-              <a:t>Slide 13: Strategic Geopolitical Goals</a:t>
-            </a:r>
-          </a:p>
-        </p:txBody>
-      </p:sp>
-      <p:sp>
-        <p:nvSpPr>
-          <p:cNvPr id="2" name="Content Placeholder 1"/>
-          <p:cNvSpPr>
-            <a:spLocks noGrp="1"/>
-          </p:cNvSpPr>
-          <p:nvPr>
-            <p:ph idx="1"/>
-          </p:nvPr>
-        </p:nvSpPr>
-        <p:spPr/>
-        <p:txBody>
-          <a:bodyPr>
-            <a:normAutofit/>
-          </a:bodyPr>
-          <a:lstStyle/>
-          <a:p>
-            <a:pPr marL="0" indent="0">
-              <a:buNone/>
-            </a:pPr>
-            <a:endParaRPr lang="en-US" dirty="0"/>
-          </a:p>
-          <a:p>
-            <a:pPr marL="0" indent="0">
-              <a:buNone/>
-            </a:pPr>
-            <a:r>
-              <a:rPr lang="en-US" dirty="0"/>
-              <a:t>The RSA breach wasn't just about data theft; it was a plot with strategic geopolitical goals.</a:t>
-            </a:r>
-          </a:p>
-          <a:p>
-            <a:pPr marL="0" indent="0">
-              <a:buNone/>
-            </a:pPr>
-            <a:r>
-              <a:rPr lang="en-US" dirty="0"/>
-              <a:t>We’ll investigate the attackers' strategic objectives and how they influenced the breach.</a:t>
-            </a:r>
-          </a:p>
-          <a:p>
-            <a:pPr marL="0" indent="0">
-              <a:buNone/>
-            </a:pPr>
-            <a:endParaRPr lang="en-US" dirty="0"/>
-          </a:p>
-        </p:txBody>
-      </p:sp>
-    </p:spTree>
-    <p:extLst>
-      <p:ext uri="{BB962C8B-B14F-4D97-AF65-F5344CB8AC3E}">
-        <p14:creationId xmlns:p14="http://schemas.microsoft.com/office/powerpoint/2010/main" val="190250103"/>
-      </p:ext>
-    </p:extLst>
-  </p:cSld>
-  <p:clrMapOvr>
-    <a:masterClrMapping/>
-  </p:clrMapOvr>
-  <mc:AlternateContent xmlns:mc="http://schemas.openxmlformats.org/markup-compatibility/2006" xmlns:p14="http://schemas.microsoft.com/office/powerpoint/2010/main">
-    <mc:Choice Requires="p14">
-      <p:transition spd="med" p14:dur="700">
-        <p:fade/>
-      </p:transition>
-    </mc:Choice>
-    <mc:Fallback xmlns="">
-      <p:transition spd="med">
-        <p:fade/>
-      </p:transition>
-    </mc:Fallback>
-  </mc:AlternateContent>
-</p:sld>
-</file>
-
-<file path=ppt/slides/slide15.xml><?xml version="1.0" encoding="utf-8"?>
-<p:sld xmlns:a="http://schemas.openxmlformats.org/drawingml/2006/main" xmlns:r="http://schemas.openxmlformats.org/officeDocument/2006/relationships" xmlns:p="http://schemas.openxmlformats.org/presentationml/2006/main">
-  <p:cSld>
-    <p:spTree>
-      <p:nvGrpSpPr>
-        <p:cNvPr id="1" name=""/>
-        <p:cNvGrpSpPr/>
-        <p:nvPr/>
-      </p:nvGrpSpPr>
-      <p:grpSpPr>
-        <a:xfrm>
-          <a:off x="0" y="0"/>
-          <a:ext cx="0" cy="0"/>
-          <a:chOff x="0" y="0"/>
-          <a:chExt cx="0" cy="0"/>
-        </a:xfrm>
-      </p:grpSpPr>
-      <p:sp>
-        <p:nvSpPr>
-          <p:cNvPr id="3" name="Title 2"/>
-          <p:cNvSpPr>
-            <a:spLocks noGrp="1"/>
-          </p:cNvSpPr>
-          <p:nvPr>
-            <p:ph type="title"/>
-          </p:nvPr>
-        </p:nvSpPr>
-        <p:spPr/>
-        <p:txBody>
-          <a:bodyPr/>
-          <a:lstStyle/>
-          <a:p>
-            <a:pPr algn="ctr"/>
-            <a:r>
-              <a:rPr lang="en-US" dirty="0"/>
-              <a:t>Slide 14: Potential for Widespread Impact</a:t>
-            </a:r>
-          </a:p>
-        </p:txBody>
-      </p:sp>
-      <p:sp>
-        <p:nvSpPr>
-          <p:cNvPr id="2" name="Content Placeholder 1"/>
-          <p:cNvSpPr>
-            <a:spLocks noGrp="1"/>
-          </p:cNvSpPr>
-          <p:nvPr>
-            <p:ph idx="1"/>
-          </p:nvPr>
-        </p:nvSpPr>
-        <p:spPr/>
-        <p:txBody>
-          <a:bodyPr>
-            <a:normAutofit/>
-          </a:bodyPr>
-          <a:lstStyle/>
-          <a:p>
-            <a:pPr marL="0" indent="0">
-              <a:buNone/>
-            </a:pPr>
-            <a:endParaRPr lang="en-US" dirty="0"/>
-          </a:p>
-          <a:p>
-            <a:pPr marL="0" indent="0">
-              <a:buNone/>
-            </a:pPr>
-            <a:r>
-              <a:rPr lang="en-US" dirty="0"/>
-              <a:t>The compromise of the SecurID seeds had the potential to create chaos on a global scale.</a:t>
-            </a:r>
-          </a:p>
-          <a:p>
-            <a:pPr marL="0" indent="0">
-              <a:buNone/>
-            </a:pPr>
-            <a:r>
-              <a:rPr lang="en-US" dirty="0"/>
-              <a:t>We'll highlight the far-reaching consequences on governments, defense contractors, and more.</a:t>
-            </a:r>
-          </a:p>
-          <a:p>
-            <a:endParaRPr lang="en-US" dirty="0"/>
-          </a:p>
-        </p:txBody>
-      </p:sp>
-    </p:spTree>
-    <p:extLst>
-      <p:ext uri="{BB962C8B-B14F-4D97-AF65-F5344CB8AC3E}">
-        <p14:creationId xmlns:p14="http://schemas.microsoft.com/office/powerpoint/2010/main" val="411134429"/>
-      </p:ext>
-    </p:extLst>
-  </p:cSld>
-  <p:clrMapOvr>
-    <a:masterClrMapping/>
-  </p:clrMapOvr>
-  <mc:AlternateContent xmlns:mc="http://schemas.openxmlformats.org/markup-compatibility/2006" xmlns:p14="http://schemas.microsoft.com/office/powerpoint/2010/main">
-    <mc:Choice Requires="p14">
-      <p:transition spd="med" p14:dur="700">
-        <p:fade/>
-      </p:transition>
-    </mc:Choice>
-    <mc:Fallback xmlns="">
-      <p:transition spd="med">
-        <p:fade/>
-      </p:transition>
-    </mc:Fallback>
-  </mc:AlternateContent>
-</p:sld>
-</file>
-
-<file path=ppt/slides/slide16.xml><?xml version="1.0" encoding="utf-8"?>
-<p:sld xmlns:a="http://schemas.openxmlformats.org/drawingml/2006/main" xmlns:r="http://schemas.openxmlformats.org/officeDocument/2006/relationships" xmlns:p="http://schemas.openxmlformats.org/presentationml/2006/main">
-  <p:cSld>
-    <p:spTree>
-      <p:nvGrpSpPr>
-        <p:cNvPr id="1" name=""/>
-        <p:cNvGrpSpPr/>
-        <p:nvPr/>
-      </p:nvGrpSpPr>
-      <p:grpSpPr>
-        <a:xfrm>
-          <a:off x="0" y="0"/>
-          <a:ext cx="0" cy="0"/>
-          <a:chOff x="0" y="0"/>
-          <a:chExt cx="0" cy="0"/>
-        </a:xfrm>
-      </p:grpSpPr>
-      <p:sp>
-        <p:nvSpPr>
-          <p:cNvPr id="3" name="Title 2"/>
-          <p:cNvSpPr>
-            <a:spLocks noGrp="1"/>
-          </p:cNvSpPr>
-          <p:nvPr>
-            <p:ph type="title"/>
-          </p:nvPr>
-        </p:nvSpPr>
-        <p:spPr/>
-        <p:txBody>
-          <a:bodyPr/>
-          <a:lstStyle/>
-          <a:p>
-            <a:pPr algn="ctr"/>
-            <a:r>
-              <a:rPr lang="en-US" dirty="0"/>
-              <a:t>Slide 15: Conclusion</a:t>
-            </a:r>
-          </a:p>
-        </p:txBody>
-      </p:sp>
-      <p:sp>
-        <p:nvSpPr>
-          <p:cNvPr id="2" name="Content Placeholder 1"/>
-          <p:cNvSpPr>
-            <a:spLocks noGrp="1"/>
-          </p:cNvSpPr>
-          <p:nvPr>
-            <p:ph idx="1"/>
-          </p:nvPr>
-        </p:nvSpPr>
-        <p:spPr/>
-        <p:txBody>
-          <a:bodyPr>
-            <a:normAutofit/>
-          </a:bodyPr>
-          <a:lstStyle/>
-          <a:p>
-            <a:pPr marL="0" indent="0">
-              <a:buNone/>
-            </a:pPr>
-            <a:endParaRPr lang="en-US" dirty="0"/>
-          </a:p>
-          <a:p>
-            <a:pPr marL="0" indent="0">
-              <a:buNone/>
-            </a:pPr>
-            <a:r>
-              <a:rPr lang="en-US" dirty="0"/>
-              <a:t>In conclusion, the RSA breach of 2011 serves as an enduring testament to the evolving nature of cybersecurity threats.</a:t>
-            </a:r>
-          </a:p>
-          <a:p>
-            <a:pPr marL="0" indent="0">
-              <a:buNone/>
-            </a:pPr>
-            <a:r>
-              <a:rPr lang="en-US" dirty="0"/>
-              <a:t>We've provided insights into the breach, emphasizing the need for ongoing vigilance in safeguarding digital assets and national security.</a:t>
-            </a:r>
-          </a:p>
-          <a:p>
-            <a:endParaRPr lang="en-US" dirty="0"/>
-          </a:p>
-        </p:txBody>
-      </p:sp>
-    </p:spTree>
-    <p:extLst>
-      <p:ext uri="{BB962C8B-B14F-4D97-AF65-F5344CB8AC3E}">
-        <p14:creationId xmlns:p14="http://schemas.microsoft.com/office/powerpoint/2010/main" val="1316844685"/>
-      </p:ext>
-    </p:extLst>
-  </p:cSld>
-  <p:clrMapOvr>
-    <a:masterClrMapping/>
-  </p:clrMapOvr>
-  <mc:AlternateContent xmlns:mc="http://schemas.openxmlformats.org/markup-compatibility/2006" xmlns:p14="http://schemas.microsoft.com/office/powerpoint/2010/main">
-    <mc:Choice Requires="p14">
-      <p:transition spd="med" p14:dur="700">
-        <p:fade/>
-      </p:transition>
-    </mc:Choice>
-    <mc:Fallback xmlns="">
-      <p:transition spd="med">
-        <p:fade/>
-      </p:transition>
-    </mc:Fallback>
-  </mc:AlternateContent>
-</p:sld>
-</file>
-
-<file path=ppt/slides/slide17.xml><?xml version="1.0" encoding="utf-8"?>
-<p:sld xmlns:a="http://schemas.openxmlformats.org/drawingml/2006/main" xmlns:r="http://schemas.openxmlformats.org/officeDocument/2006/relationships" xmlns:p="http://schemas.openxmlformats.org/presentationml/2006/main">
-  <p:cSld>
-    <p:spTree>
-      <p:nvGrpSpPr>
-        <p:cNvPr id="1" name=""/>
-        <p:cNvGrpSpPr/>
-        <p:nvPr/>
-      </p:nvGrpSpPr>
-      <p:grpSpPr>
-        <a:xfrm>
-          <a:off x="0" y="0"/>
-          <a:ext cx="0" cy="0"/>
-          <a:chOff x="0" y="0"/>
-          <a:chExt cx="0" cy="0"/>
-        </a:xfrm>
-      </p:grpSpPr>
-      <p:sp>
-        <p:nvSpPr>
-          <p:cNvPr id="3" name="Title 2"/>
-          <p:cNvSpPr>
-            <a:spLocks noGrp="1"/>
-          </p:cNvSpPr>
-          <p:nvPr>
-            <p:ph type="title"/>
-          </p:nvPr>
-        </p:nvSpPr>
-        <p:spPr/>
-        <p:txBody>
-          <a:bodyPr/>
-          <a:lstStyle/>
-          <a:p>
-            <a:pPr algn="ctr"/>
-            <a:r>
-              <a:rPr lang="en-US" dirty="0"/>
-              <a:t>Q&amp;A (2-4 minutes)</a:t>
+              <a:t>Slide 4: Chinese State-Sponsored Threat Actors</a:t>
             </a:r>
             <a:br>
               <a:rPr lang="en-US" dirty="0"/>
@@ -7589,9 +7233,7 @@
         </p:nvSpPr>
         <p:spPr/>
         <p:txBody>
-          <a:bodyPr>
-            <a:normAutofit/>
-          </a:bodyPr>
+          <a:bodyPr/>
           <a:lstStyle/>
           <a:p>
             <a:pPr marL="0" indent="0">
@@ -7605,318 +7247,16 @@
             </a:pPr>
             <a:r>
               <a:rPr lang="en-US" dirty="0"/>
-              <a:t>I will now open the floor to questions and comments….</a:t>
-            </a:r>
-          </a:p>
-          <a:p>
-            <a:endParaRPr lang="en-US" dirty="0"/>
-          </a:p>
-        </p:txBody>
-      </p:sp>
-    </p:spTree>
-    <p:extLst>
-      <p:ext uri="{BB962C8B-B14F-4D97-AF65-F5344CB8AC3E}">
-        <p14:creationId xmlns:p14="http://schemas.microsoft.com/office/powerpoint/2010/main" val="4042471801"/>
-      </p:ext>
-    </p:extLst>
-  </p:cSld>
-  <p:clrMapOvr>
-    <a:masterClrMapping/>
-  </p:clrMapOvr>
-  <mc:AlternateContent xmlns:mc="http://schemas.openxmlformats.org/markup-compatibility/2006" xmlns:p14="http://schemas.microsoft.com/office/powerpoint/2010/main">
-    <mc:Choice Requires="p14">
-      <p:transition spd="med" p14:dur="700">
-        <p:fade/>
-      </p:transition>
-    </mc:Choice>
-    <mc:Fallback xmlns="">
-      <p:transition spd="med">
-        <p:fade/>
-      </p:transition>
-    </mc:Fallback>
-  </mc:AlternateContent>
-</p:sld>
-</file>
-
-<file path=ppt/slides/slide18.xml><?xml version="1.0" encoding="utf-8"?>
-<p:sld xmlns:a="http://schemas.openxmlformats.org/drawingml/2006/main" xmlns:r="http://schemas.openxmlformats.org/officeDocument/2006/relationships" xmlns:p="http://schemas.openxmlformats.org/presentationml/2006/main">
-  <p:cSld>
-    <p:spTree>
-      <p:nvGrpSpPr>
-        <p:cNvPr id="1" name=""/>
-        <p:cNvGrpSpPr/>
-        <p:nvPr/>
-      </p:nvGrpSpPr>
-      <p:grpSpPr>
-        <a:xfrm>
-          <a:off x="0" y="0"/>
-          <a:ext cx="0" cy="0"/>
-          <a:chOff x="0" y="0"/>
-          <a:chExt cx="0" cy="0"/>
-        </a:xfrm>
-      </p:grpSpPr>
-      <p:sp>
-        <p:nvSpPr>
-          <p:cNvPr id="3" name="Title 2"/>
-          <p:cNvSpPr>
-            <a:spLocks noGrp="1"/>
-          </p:cNvSpPr>
-          <p:nvPr>
-            <p:ph type="title"/>
-          </p:nvPr>
-        </p:nvSpPr>
-        <p:spPr/>
-        <p:txBody>
-          <a:bodyPr/>
-          <a:lstStyle/>
-          <a:p>
-            <a:pPr algn="ctr"/>
-            <a:r>
-              <a:rPr lang="en-US"/>
-              <a:t>Thank You </a:t>
-            </a:r>
-            <a:endParaRPr lang="en-US" dirty="0"/>
-          </a:p>
-        </p:txBody>
-      </p:sp>
-      <p:sp>
-        <p:nvSpPr>
-          <p:cNvPr id="2" name="Content Placeholder 1"/>
-          <p:cNvSpPr>
-            <a:spLocks noGrp="1"/>
-          </p:cNvSpPr>
-          <p:nvPr>
-            <p:ph idx="1"/>
-          </p:nvPr>
-        </p:nvSpPr>
-        <p:spPr/>
-        <p:txBody>
-          <a:bodyPr>
-            <a:normAutofit/>
-          </a:bodyPr>
-          <a:lstStyle/>
-          <a:p>
-            <a:pPr marL="0" indent="0" algn="ctr">
+              <a:t>The Chinese state-sponsored threat actors were concealed in the shadows, orchestrating the breach."</a:t>
+            </a:r>
+          </a:p>
+          <a:p>
+            <a:pPr marL="0" indent="0">
               <a:buNone/>
             </a:pPr>
-            <a:endParaRPr lang="en-US" dirty="0"/>
-          </a:p>
-          <a:p>
-            <a:pPr marL="0" indent="0" algn="ctr">
-              <a:buNone/>
-            </a:pPr>
-            <a:endParaRPr lang="en-US" dirty="0"/>
-          </a:p>
-          <a:p>
-            <a:pPr marL="0" indent="0" algn="ctr">
-              <a:buNone/>
-            </a:pPr>
             <a:r>
               <a:rPr lang="en-US" dirty="0"/>
-              <a:t>THE END</a:t>
-            </a:r>
-          </a:p>
-        </p:txBody>
-      </p:sp>
-    </p:spTree>
-    <p:extLst>
-      <p:ext uri="{BB962C8B-B14F-4D97-AF65-F5344CB8AC3E}">
-        <p14:creationId xmlns:p14="http://schemas.microsoft.com/office/powerpoint/2010/main" val="2958617291"/>
-      </p:ext>
-    </p:extLst>
-  </p:cSld>
-  <p:clrMapOvr>
-    <a:masterClrMapping/>
-  </p:clrMapOvr>
-  <mc:AlternateContent xmlns:mc="http://schemas.openxmlformats.org/markup-compatibility/2006" xmlns:p14="http://schemas.microsoft.com/office/powerpoint/2010/main">
-    <mc:Choice Requires="p14">
-      <p:transition spd="med" p14:dur="700">
-        <p:fade/>
-      </p:transition>
-    </mc:Choice>
-    <mc:Fallback xmlns="">
-      <p:transition spd="med">
-        <p:fade/>
-      </p:transition>
-    </mc:Fallback>
-  </mc:AlternateContent>
-</p:sld>
-</file>
-
-<file path=ppt/slides/slide2.xml><?xml version="1.0" encoding="utf-8"?>
-<p:sld xmlns:a="http://schemas.openxmlformats.org/drawingml/2006/main" xmlns:r="http://schemas.openxmlformats.org/officeDocument/2006/relationships" xmlns:p="http://schemas.openxmlformats.org/presentationml/2006/main">
-  <p:cSld>
-    <p:spTree>
-      <p:nvGrpSpPr>
-        <p:cNvPr id="1" name=""/>
-        <p:cNvGrpSpPr/>
-        <p:nvPr/>
-      </p:nvGrpSpPr>
-      <p:grpSpPr>
-        <a:xfrm>
-          <a:off x="0" y="0"/>
-          <a:ext cx="0" cy="0"/>
-          <a:chOff x="0" y="0"/>
-          <a:chExt cx="0" cy="0"/>
-        </a:xfrm>
-      </p:grpSpPr>
-      <p:sp>
-        <p:nvSpPr>
-          <p:cNvPr id="2" name="Title 1"/>
-          <p:cNvSpPr>
-            <a:spLocks noGrp="1"/>
-          </p:cNvSpPr>
-          <p:nvPr>
-            <p:ph type="title"/>
-          </p:nvPr>
-        </p:nvSpPr>
-        <p:spPr/>
-        <p:txBody>
-          <a:bodyPr/>
-          <a:lstStyle/>
-          <a:p>
-            <a:pPr algn="ctr"/>
-            <a:r>
-              <a:rPr lang="en-US" dirty="0"/>
-              <a:t>INTRODUCTION</a:t>
-            </a:r>
-          </a:p>
-        </p:txBody>
-      </p:sp>
-      <p:sp>
-        <p:nvSpPr>
-          <p:cNvPr id="3" name="Content Placeholder 2"/>
-          <p:cNvSpPr>
-            <a:spLocks noGrp="1"/>
-          </p:cNvSpPr>
-          <p:nvPr>
-            <p:ph idx="1"/>
-          </p:nvPr>
-        </p:nvSpPr>
-        <p:spPr/>
-        <p:txBody>
-          <a:bodyPr/>
-          <a:lstStyle/>
-          <a:p>
-            <a:pPr marL="0" indent="0">
-              <a:buNone/>
-            </a:pPr>
-            <a:endParaRPr lang="en-US" dirty="0"/>
-          </a:p>
-          <a:p>
-            <a:pPr marL="0" indent="0">
-              <a:buNone/>
-            </a:pPr>
-            <a:r>
-              <a:rPr lang="en-US" dirty="0"/>
-              <a:t>Ladies and gentlemen, welcome to our presentation on the RSA breach of 2011, a pivotal moment in cybersecurity history.</a:t>
-            </a:r>
-          </a:p>
-          <a:p>
-            <a:pPr marL="0" indent="0">
-              <a:buNone/>
-            </a:pPr>
-            <a:r>
-              <a:rPr lang="en-US" dirty="0"/>
-              <a:t>"Today, we will explore the critical aspects of the breach, including the key players involved, what was stolen, when and where it occurred, and why it matters</a:t>
-            </a:r>
-          </a:p>
-        </p:txBody>
-      </p:sp>
-    </p:spTree>
-    <p:extLst>
-      <p:ext uri="{BB962C8B-B14F-4D97-AF65-F5344CB8AC3E}">
-        <p14:creationId xmlns:p14="http://schemas.microsoft.com/office/powerpoint/2010/main" val="3148110083"/>
-      </p:ext>
-    </p:extLst>
-  </p:cSld>
-  <p:clrMapOvr>
-    <a:masterClrMapping/>
-  </p:clrMapOvr>
-  <mc:AlternateContent xmlns:mc="http://schemas.openxmlformats.org/markup-compatibility/2006" xmlns:p14="http://schemas.microsoft.com/office/powerpoint/2010/main">
-    <mc:Choice Requires="p14">
-      <p:transition spd="med" p14:dur="700">
-        <p:fade/>
-      </p:transition>
-    </mc:Choice>
-    <mc:Fallback xmlns="">
-      <p:transition spd="med">
-        <p:fade/>
-      </p:transition>
-    </mc:Fallback>
-  </mc:AlternateContent>
-</p:sld>
-</file>
-
-<file path=ppt/slides/slide3.xml><?xml version="1.0" encoding="utf-8"?>
-<p:sld xmlns:a="http://schemas.openxmlformats.org/drawingml/2006/main" xmlns:r="http://schemas.openxmlformats.org/officeDocument/2006/relationships" xmlns:p="http://schemas.openxmlformats.org/presentationml/2006/main">
-  <p:cSld>
-    <p:spTree>
-      <p:nvGrpSpPr>
-        <p:cNvPr id="1" name=""/>
-        <p:cNvGrpSpPr/>
-        <p:nvPr/>
-      </p:nvGrpSpPr>
-      <p:grpSpPr>
-        <a:xfrm>
-          <a:off x="0" y="0"/>
-          <a:ext cx="0" cy="0"/>
-          <a:chOff x="0" y="0"/>
-          <a:chExt cx="0" cy="0"/>
-        </a:xfrm>
-      </p:grpSpPr>
-      <p:sp>
-        <p:nvSpPr>
-          <p:cNvPr id="3" name="Title 2"/>
-          <p:cNvSpPr>
-            <a:spLocks noGrp="1"/>
-          </p:cNvSpPr>
-          <p:nvPr>
-            <p:ph type="title"/>
-          </p:nvPr>
-        </p:nvSpPr>
-        <p:spPr/>
-        <p:txBody>
-          <a:bodyPr/>
-          <a:lstStyle/>
-          <a:p>
-            <a:r>
-              <a:rPr lang="en-US" dirty="0"/>
-              <a:t>Slide 2: The Who</a:t>
-            </a:r>
-          </a:p>
-        </p:txBody>
-      </p:sp>
-      <p:sp>
-        <p:nvSpPr>
-          <p:cNvPr id="2" name="Content Placeholder 1"/>
-          <p:cNvSpPr>
-            <a:spLocks noGrp="1"/>
-          </p:cNvSpPr>
-          <p:nvPr>
-            <p:ph idx="1"/>
-          </p:nvPr>
-        </p:nvSpPr>
-        <p:spPr/>
-        <p:txBody>
-          <a:bodyPr/>
-          <a:lstStyle/>
-          <a:p>
-            <a:pPr marL="0" indent="0">
-              <a:buNone/>
-            </a:pPr>
-            <a:r>
-              <a:rPr lang="en-US" dirty="0"/>
-              <a:t>Let's begin by discussing 'The Who' in this breach, the central players that defined this incident."</a:t>
-            </a:r>
-          </a:p>
-          <a:p>
-            <a:pPr marL="0" indent="0">
-              <a:buNone/>
-            </a:pPr>
-            <a:r>
-              <a:rPr lang="en-US" dirty="0"/>
-              <a:t>We will focus on RSA Security, a trusted name in cybersecurity, and the mysterious Chinese state-sponsored threat actors behind the breach.</a:t>
+              <a:t>We'll explore their motivations, level of sophistication, and their concealed identities, which added a layer of intrigue to the incident.</a:t>
             </a:r>
           </a:p>
           <a:p>
@@ -8159,6 +7499,1661 @@
     </p:spTree>
     <p:extLst>
       <p:ext uri="{BB962C8B-B14F-4D97-AF65-F5344CB8AC3E}">
+        <p14:creationId xmlns:p14="http://schemas.microsoft.com/office/powerpoint/2010/main" val="3224243975"/>
+      </p:ext>
+    </p:extLst>
+  </p:cSld>
+  <p:clrMapOvr>
+    <a:masterClrMapping/>
+  </p:clrMapOvr>
+  <mc:AlternateContent xmlns:mc="http://schemas.openxmlformats.org/markup-compatibility/2006" xmlns:p14="http://schemas.microsoft.com/office/powerpoint/2010/main">
+    <mc:Choice Requires="p14">
+      <p:transition spd="med" p14:dur="700">
+        <p:fade/>
+      </p:transition>
+    </mc:Choice>
+    <mc:Fallback xmlns="">
+      <p:transition spd="med">
+        <p:fade/>
+      </p:transition>
+    </mc:Fallback>
+  </mc:AlternateContent>
+</p:sld>
+</file>
+
+<file path=ppt/slides/slide11.xml><?xml version="1.0" encoding="utf-8"?>
+<p:sld xmlns:a="http://schemas.openxmlformats.org/drawingml/2006/main" xmlns:r="http://schemas.openxmlformats.org/officeDocument/2006/relationships" xmlns:p="http://schemas.openxmlformats.org/presentationml/2006/main">
+  <p:cSld>
+    <p:spTree>
+      <p:nvGrpSpPr>
+        <p:cNvPr id="1" name=""/>
+        <p:cNvGrpSpPr/>
+        <p:nvPr/>
+      </p:nvGrpSpPr>
+      <p:grpSpPr>
+        <a:xfrm>
+          <a:off x="0" y="0"/>
+          <a:ext cx="0" cy="0"/>
+          <a:chOff x="0" y="0"/>
+          <a:chExt cx="0" cy="0"/>
+        </a:xfrm>
+      </p:grpSpPr>
+      <p:sp>
+        <p:nvSpPr>
+          <p:cNvPr id="3" name="Title 2"/>
+          <p:cNvSpPr>
+            <a:spLocks noGrp="1"/>
+          </p:cNvSpPr>
+          <p:nvPr>
+            <p:ph type="title"/>
+          </p:nvPr>
+        </p:nvSpPr>
+        <p:spPr/>
+        <p:txBody>
+          <a:bodyPr/>
+          <a:lstStyle/>
+          <a:p>
+            <a:pPr algn="ctr"/>
+            <a:r>
+              <a:rPr lang="en-US" dirty="0"/>
+              <a:t>Slide 5: The What</a:t>
+            </a:r>
+          </a:p>
+        </p:txBody>
+      </p:sp>
+      <p:sp>
+        <p:nvSpPr>
+          <p:cNvPr id="2" name="Content Placeholder 1"/>
+          <p:cNvSpPr>
+            <a:spLocks noGrp="1"/>
+          </p:cNvSpPr>
+          <p:nvPr>
+            <p:ph idx="1"/>
+          </p:nvPr>
+        </p:nvSpPr>
+        <p:spPr/>
+        <p:txBody>
+          <a:bodyPr/>
+          <a:lstStyle/>
+          <a:p>
+            <a:pPr marL="0" indent="0">
+              <a:buNone/>
+            </a:pPr>
+            <a:endParaRPr lang="en-US" dirty="0"/>
+          </a:p>
+          <a:p>
+            <a:r>
+              <a:rPr lang="en-US" dirty="0"/>
+              <a:t>Now, let's dive into 'The What.' What was stolen during the breach and why did it matter?"</a:t>
+            </a:r>
+          </a:p>
+          <a:p>
+            <a:r>
+              <a:rPr lang="en-US" dirty="0"/>
+              <a:t>Our primary focus will be on the compromise of SecurID seeds and the critical implications of this theft.</a:t>
+            </a:r>
+          </a:p>
+          <a:p>
+            <a:endParaRPr lang="en-US" dirty="0"/>
+          </a:p>
+        </p:txBody>
+      </p:sp>
+    </p:spTree>
+    <p:extLst>
+      <p:ext uri="{BB962C8B-B14F-4D97-AF65-F5344CB8AC3E}">
+        <p14:creationId xmlns:p14="http://schemas.microsoft.com/office/powerpoint/2010/main" val="611309418"/>
+      </p:ext>
+    </p:extLst>
+  </p:cSld>
+  <p:clrMapOvr>
+    <a:masterClrMapping/>
+  </p:clrMapOvr>
+  <mc:AlternateContent xmlns:mc="http://schemas.openxmlformats.org/markup-compatibility/2006" xmlns:p14="http://schemas.microsoft.com/office/powerpoint/2010/main">
+    <mc:Choice Requires="p14">
+      <p:transition spd="med" p14:dur="700">
+        <p:fade/>
+      </p:transition>
+    </mc:Choice>
+    <mc:Fallback xmlns="">
+      <p:transition spd="med">
+        <p:fade/>
+      </p:transition>
+    </mc:Fallback>
+  </mc:AlternateContent>
+</p:sld>
+</file>
+
+<file path=ppt/slides/slide12.xml><?xml version="1.0" encoding="utf-8"?>
+<p:sld xmlns:a="http://schemas.openxmlformats.org/drawingml/2006/main" xmlns:r="http://schemas.openxmlformats.org/officeDocument/2006/relationships" xmlns:p="http://schemas.openxmlformats.org/presentationml/2006/main">
+  <p:cSld>
+    <p:spTree>
+      <p:nvGrpSpPr>
+        <p:cNvPr id="1" name=""/>
+        <p:cNvGrpSpPr/>
+        <p:nvPr/>
+      </p:nvGrpSpPr>
+      <p:grpSpPr>
+        <a:xfrm>
+          <a:off x="0" y="0"/>
+          <a:ext cx="0" cy="0"/>
+          <a:chOff x="0" y="0"/>
+          <a:chExt cx="0" cy="0"/>
+        </a:xfrm>
+      </p:grpSpPr>
+      <p:sp>
+        <p:nvSpPr>
+          <p:cNvPr id="3" name="Title 2"/>
+          <p:cNvSpPr>
+            <a:spLocks noGrp="1"/>
+          </p:cNvSpPr>
+          <p:nvPr>
+            <p:ph type="title"/>
+          </p:nvPr>
+        </p:nvSpPr>
+        <p:spPr/>
+        <p:txBody>
+          <a:bodyPr/>
+          <a:lstStyle/>
+          <a:p>
+            <a:pPr algn="ctr"/>
+            <a:r>
+              <a:rPr lang="en-US" dirty="0"/>
+              <a:t>Slide 6: Stolen SecurID Seeds</a:t>
+            </a:r>
+          </a:p>
+        </p:txBody>
+      </p:sp>
+      <p:sp>
+        <p:nvSpPr>
+          <p:cNvPr id="2" name="Content Placeholder 1"/>
+          <p:cNvSpPr>
+            <a:spLocks noGrp="1"/>
+          </p:cNvSpPr>
+          <p:nvPr>
+            <p:ph idx="1"/>
+          </p:nvPr>
+        </p:nvSpPr>
+        <p:spPr/>
+        <p:txBody>
+          <a:bodyPr/>
+          <a:lstStyle/>
+          <a:p>
+            <a:pPr marL="0" indent="0">
+              <a:buNone/>
+            </a:pPr>
+            <a:endParaRPr lang="en-US" dirty="0"/>
+          </a:p>
+          <a:p>
+            <a:pPr marL="0" indent="0">
+              <a:buNone/>
+            </a:pPr>
+            <a:r>
+              <a:rPr lang="en-US" dirty="0"/>
+              <a:t>The theft of the SecurID seeds was an audacious operation that required a high level of sophistication.</a:t>
+            </a:r>
+          </a:p>
+          <a:p>
+            <a:pPr marL="0" indent="0">
+              <a:buNone/>
+            </a:pPr>
+            <a:r>
+              <a:rPr lang="en-US" dirty="0"/>
+              <a:t>We'll emphasize the critical importance of these seeds to the security system, underlining their role in the breach.</a:t>
+            </a:r>
+          </a:p>
+          <a:p>
+            <a:endParaRPr lang="en-US" dirty="0"/>
+          </a:p>
+        </p:txBody>
+      </p:sp>
+    </p:spTree>
+    <p:extLst>
+      <p:ext uri="{BB962C8B-B14F-4D97-AF65-F5344CB8AC3E}">
+        <p14:creationId xmlns:p14="http://schemas.microsoft.com/office/powerpoint/2010/main" val="4034561129"/>
+      </p:ext>
+    </p:extLst>
+  </p:cSld>
+  <p:clrMapOvr>
+    <a:masterClrMapping/>
+  </p:clrMapOvr>
+  <mc:AlternateContent xmlns:mc="http://schemas.openxmlformats.org/markup-compatibility/2006" xmlns:p14="http://schemas.microsoft.com/office/powerpoint/2010/main">
+    <mc:Choice Requires="p14">
+      <p:transition spd="med" p14:dur="700">
+        <p:fade/>
+      </p:transition>
+    </mc:Choice>
+    <mc:Fallback xmlns="">
+      <p:transition spd="med">
+        <p:fade/>
+      </p:transition>
+    </mc:Fallback>
+  </mc:AlternateContent>
+</p:sld>
+</file>
+
+<file path=ppt/slides/slide13.xml><?xml version="1.0" encoding="utf-8"?>
+<p:sld xmlns:a="http://schemas.openxmlformats.org/drawingml/2006/main" xmlns:r="http://schemas.openxmlformats.org/officeDocument/2006/relationships" xmlns:p="http://schemas.openxmlformats.org/presentationml/2006/main">
+  <p:cSld>
+    <p:spTree>
+      <p:nvGrpSpPr>
+        <p:cNvPr id="1" name=""/>
+        <p:cNvGrpSpPr/>
+        <p:nvPr/>
+      </p:nvGrpSpPr>
+      <p:grpSpPr>
+        <a:xfrm>
+          <a:off x="0" y="0"/>
+          <a:ext cx="0" cy="0"/>
+          <a:chOff x="0" y="0"/>
+          <a:chExt cx="0" cy="0"/>
+        </a:xfrm>
+      </p:grpSpPr>
+      <p:sp>
+        <p:nvSpPr>
+          <p:cNvPr id="3" name="Title 2"/>
+          <p:cNvSpPr>
+            <a:spLocks noGrp="1"/>
+          </p:cNvSpPr>
+          <p:nvPr>
+            <p:ph type="title"/>
+          </p:nvPr>
+        </p:nvSpPr>
+        <p:spPr/>
+        <p:txBody>
+          <a:bodyPr/>
+          <a:lstStyle/>
+          <a:p>
+            <a:pPr algn="ctr"/>
+            <a:r>
+              <a:rPr lang="en-US" dirty="0"/>
+              <a:t>Slide 7: The When</a:t>
+            </a:r>
+          </a:p>
+        </p:txBody>
+      </p:sp>
+      <p:sp>
+        <p:nvSpPr>
+          <p:cNvPr id="2" name="Content Placeholder 1"/>
+          <p:cNvSpPr>
+            <a:spLocks noGrp="1"/>
+          </p:cNvSpPr>
+          <p:nvPr>
+            <p:ph idx="1"/>
+          </p:nvPr>
+        </p:nvSpPr>
+        <p:spPr/>
+        <p:txBody>
+          <a:bodyPr/>
+          <a:lstStyle/>
+          <a:p>
+            <a:pPr marL="0" indent="0">
+              <a:buNone/>
+            </a:pPr>
+            <a:endParaRPr lang="en-US" dirty="0"/>
+          </a:p>
+          <a:p>
+            <a:pPr marL="0" indent="0">
+              <a:buNone/>
+            </a:pPr>
+            <a:r>
+              <a:rPr lang="en-US" dirty="0"/>
+              <a:t>Understanding the timeline of the breach is crucial to grasp its gravity.</a:t>
+            </a:r>
+          </a:p>
+          <a:p>
+            <a:pPr marL="0" indent="0">
+              <a:buNone/>
+            </a:pPr>
+            <a:r>
+              <a:rPr lang="en-US" dirty="0"/>
+              <a:t>We'll discuss the events from the initial intrusion to the compromise of the seed warehouse, highlighting the sequence of events.</a:t>
+            </a:r>
+          </a:p>
+          <a:p>
+            <a:pPr marL="0" indent="0">
+              <a:buNone/>
+            </a:pPr>
+            <a:endParaRPr lang="en-US" dirty="0"/>
+          </a:p>
+        </p:txBody>
+      </p:sp>
+    </p:spTree>
+    <p:extLst>
+      <p:ext uri="{BB962C8B-B14F-4D97-AF65-F5344CB8AC3E}">
+        <p14:creationId xmlns:p14="http://schemas.microsoft.com/office/powerpoint/2010/main" val="1200217142"/>
+      </p:ext>
+    </p:extLst>
+  </p:cSld>
+  <p:clrMapOvr>
+    <a:masterClrMapping/>
+  </p:clrMapOvr>
+  <mc:AlternateContent xmlns:mc="http://schemas.openxmlformats.org/markup-compatibility/2006" xmlns:p14="http://schemas.microsoft.com/office/powerpoint/2010/main">
+    <mc:Choice Requires="p14">
+      <p:transition spd="med" p14:dur="700">
+        <p:fade/>
+      </p:transition>
+    </mc:Choice>
+    <mc:Fallback xmlns="">
+      <p:transition spd="med">
+        <p:fade/>
+      </p:transition>
+    </mc:Fallback>
+  </mc:AlternateContent>
+</p:sld>
+</file>
+
+<file path=ppt/slides/slide14.xml><?xml version="1.0" encoding="utf-8"?>
+<p:sld xmlns:a="http://schemas.openxmlformats.org/drawingml/2006/main" xmlns:r="http://schemas.openxmlformats.org/officeDocument/2006/relationships" xmlns:p="http://schemas.openxmlformats.org/presentationml/2006/main">
+  <p:cSld>
+    <p:spTree>
+      <p:nvGrpSpPr>
+        <p:cNvPr id="1" name=""/>
+        <p:cNvGrpSpPr/>
+        <p:nvPr/>
+      </p:nvGrpSpPr>
+      <p:grpSpPr>
+        <a:xfrm>
+          <a:off x="0" y="0"/>
+          <a:ext cx="0" cy="0"/>
+          <a:chOff x="0" y="0"/>
+          <a:chExt cx="0" cy="0"/>
+        </a:xfrm>
+      </p:grpSpPr>
+      <p:sp>
+        <p:nvSpPr>
+          <p:cNvPr id="3" name="Title 2"/>
+          <p:cNvSpPr>
+            <a:spLocks noGrp="1"/>
+          </p:cNvSpPr>
+          <p:nvPr>
+            <p:ph type="title"/>
+          </p:nvPr>
+        </p:nvSpPr>
+        <p:spPr/>
+        <p:txBody>
+          <a:bodyPr/>
+          <a:lstStyle/>
+          <a:p>
+            <a:pPr algn="ctr"/>
+            <a:r>
+              <a:rPr lang="en-US" dirty="0"/>
+              <a:t>Slide 8: Spring 2011</a:t>
+            </a:r>
+          </a:p>
+        </p:txBody>
+      </p:sp>
+      <p:sp>
+        <p:nvSpPr>
+          <p:cNvPr id="2" name="Content Placeholder 1"/>
+          <p:cNvSpPr>
+            <a:spLocks noGrp="1"/>
+          </p:cNvSpPr>
+          <p:nvPr>
+            <p:ph idx="1"/>
+          </p:nvPr>
+        </p:nvSpPr>
+        <p:spPr/>
+        <p:txBody>
+          <a:bodyPr>
+            <a:normAutofit/>
+          </a:bodyPr>
+          <a:lstStyle/>
+          <a:p>
+            <a:pPr marL="0" indent="0">
+              <a:buNone/>
+            </a:pPr>
+            <a:endParaRPr lang="en-US" dirty="0"/>
+          </a:p>
+          <a:p>
+            <a:pPr marL="0" indent="0">
+              <a:buNone/>
+            </a:pPr>
+            <a:r>
+              <a:rPr lang="en-US" dirty="0"/>
+              <a:t>The breach began in the spring of 2011, marking the beginning of a chain reaction with profound consequences."</a:t>
+            </a:r>
+          </a:p>
+          <a:p>
+            <a:pPr marL="0" indent="0">
+              <a:buNone/>
+            </a:pPr>
+            <a:r>
+              <a:rPr lang="en-US" dirty="0"/>
+              <a:t>We'll explore this season as a pivotal moment that set the stage for the breach.</a:t>
+            </a:r>
+          </a:p>
+          <a:p>
+            <a:pPr marL="0" indent="0">
+              <a:buNone/>
+            </a:pPr>
+            <a:endParaRPr lang="en-US" dirty="0"/>
+          </a:p>
+        </p:txBody>
+      </p:sp>
+    </p:spTree>
+    <p:extLst>
+      <p:ext uri="{BB962C8B-B14F-4D97-AF65-F5344CB8AC3E}">
+        <p14:creationId xmlns:p14="http://schemas.microsoft.com/office/powerpoint/2010/main" val="897847061"/>
+      </p:ext>
+    </p:extLst>
+  </p:cSld>
+  <p:clrMapOvr>
+    <a:masterClrMapping/>
+  </p:clrMapOvr>
+  <mc:AlternateContent xmlns:mc="http://schemas.openxmlformats.org/markup-compatibility/2006" xmlns:p14="http://schemas.microsoft.com/office/powerpoint/2010/main">
+    <mc:Choice Requires="p14">
+      <p:transition spd="med" p14:dur="700">
+        <p:fade/>
+      </p:transition>
+    </mc:Choice>
+    <mc:Fallback xmlns="">
+      <p:transition spd="med">
+        <p:fade/>
+      </p:transition>
+    </mc:Fallback>
+  </mc:AlternateContent>
+</p:sld>
+</file>
+
+<file path=ppt/slides/slide15.xml><?xml version="1.0" encoding="utf-8"?>
+<p:sld xmlns:a="http://schemas.openxmlformats.org/drawingml/2006/main" xmlns:r="http://schemas.openxmlformats.org/officeDocument/2006/relationships" xmlns:p="http://schemas.openxmlformats.org/presentationml/2006/main">
+  <p:cSld>
+    <p:spTree>
+      <p:nvGrpSpPr>
+        <p:cNvPr id="1" name=""/>
+        <p:cNvGrpSpPr/>
+        <p:nvPr/>
+      </p:nvGrpSpPr>
+      <p:grpSpPr>
+        <a:xfrm>
+          <a:off x="0" y="0"/>
+          <a:ext cx="0" cy="0"/>
+          <a:chOff x="0" y="0"/>
+          <a:chExt cx="0" cy="0"/>
+        </a:xfrm>
+      </p:grpSpPr>
+      <p:sp>
+        <p:nvSpPr>
+          <p:cNvPr id="3" name="Title 2"/>
+          <p:cNvSpPr>
+            <a:spLocks noGrp="1"/>
+          </p:cNvSpPr>
+          <p:nvPr>
+            <p:ph type="title"/>
+          </p:nvPr>
+        </p:nvSpPr>
+        <p:spPr/>
+        <p:txBody>
+          <a:bodyPr/>
+          <a:lstStyle/>
+          <a:p>
+            <a:pPr algn="ctr"/>
+            <a:r>
+              <a:rPr lang="en-US" dirty="0"/>
+              <a:t>Slide 9: The Where</a:t>
+            </a:r>
+          </a:p>
+        </p:txBody>
+      </p:sp>
+      <p:sp>
+        <p:nvSpPr>
+          <p:cNvPr id="2" name="Content Placeholder 1"/>
+          <p:cNvSpPr>
+            <a:spLocks noGrp="1"/>
+          </p:cNvSpPr>
+          <p:nvPr>
+            <p:ph idx="1"/>
+          </p:nvPr>
+        </p:nvSpPr>
+        <p:spPr/>
+        <p:txBody>
+          <a:bodyPr>
+            <a:normAutofit/>
+          </a:bodyPr>
+          <a:lstStyle/>
+          <a:p>
+            <a:pPr marL="0" indent="0">
+              <a:buNone/>
+            </a:pPr>
+            <a:endParaRPr lang="en-US" dirty="0"/>
+          </a:p>
+          <a:p>
+            <a:r>
+              <a:rPr lang="en-US" dirty="0"/>
+              <a:t>Now, let's examine 'The Where' in the RSA breach. Where did this critical incident unfold?"</a:t>
+            </a:r>
+          </a:p>
+          <a:p>
+            <a:r>
+              <a:rPr lang="en-US" dirty="0"/>
+              <a:t>Our focus will be on RSA Security's headquarters and its operations center, serving as central command posts for responding to the breach.</a:t>
+            </a:r>
+          </a:p>
+          <a:p>
+            <a:endParaRPr lang="en-US" dirty="0"/>
+          </a:p>
+        </p:txBody>
+      </p:sp>
+    </p:spTree>
+    <p:extLst>
+      <p:ext uri="{BB962C8B-B14F-4D97-AF65-F5344CB8AC3E}">
+        <p14:creationId xmlns:p14="http://schemas.microsoft.com/office/powerpoint/2010/main" val="3818646262"/>
+      </p:ext>
+    </p:extLst>
+  </p:cSld>
+  <p:clrMapOvr>
+    <a:masterClrMapping/>
+  </p:clrMapOvr>
+  <mc:AlternateContent xmlns:mc="http://schemas.openxmlformats.org/markup-compatibility/2006" xmlns:p14="http://schemas.microsoft.com/office/powerpoint/2010/main">
+    <mc:Choice Requires="p14">
+      <p:transition spd="med" p14:dur="700">
+        <p:fade/>
+      </p:transition>
+    </mc:Choice>
+    <mc:Fallback xmlns="">
+      <p:transition spd="med">
+        <p:fade/>
+      </p:transition>
+    </mc:Fallback>
+  </mc:AlternateContent>
+</p:sld>
+</file>
+
+<file path=ppt/slides/slide16.xml><?xml version="1.0" encoding="utf-8"?>
+<p:sld xmlns:a="http://schemas.openxmlformats.org/drawingml/2006/main" xmlns:r="http://schemas.openxmlformats.org/officeDocument/2006/relationships" xmlns:p="http://schemas.openxmlformats.org/presentationml/2006/main">
+  <p:cSld>
+    <p:spTree>
+      <p:nvGrpSpPr>
+        <p:cNvPr id="1" name=""/>
+        <p:cNvGrpSpPr/>
+        <p:nvPr/>
+      </p:nvGrpSpPr>
+      <p:grpSpPr>
+        <a:xfrm>
+          <a:off x="0" y="0"/>
+          <a:ext cx="0" cy="0"/>
+          <a:chOff x="0" y="0"/>
+          <a:chExt cx="0" cy="0"/>
+        </a:xfrm>
+      </p:grpSpPr>
+      <p:sp>
+        <p:nvSpPr>
+          <p:cNvPr id="3" name="Title 2"/>
+          <p:cNvSpPr>
+            <a:spLocks noGrp="1"/>
+          </p:cNvSpPr>
+          <p:nvPr>
+            <p:ph type="title"/>
+          </p:nvPr>
+        </p:nvSpPr>
+        <p:spPr/>
+        <p:txBody>
+          <a:bodyPr/>
+          <a:lstStyle/>
+          <a:p>
+            <a:pPr algn="ctr"/>
+            <a:r>
+              <a:rPr lang="en-US" dirty="0"/>
+              <a:t>Slide 10: RSA Headquarters and Operations Center</a:t>
+            </a:r>
+          </a:p>
+        </p:txBody>
+      </p:sp>
+      <p:sp>
+        <p:nvSpPr>
+          <p:cNvPr id="2" name="Content Placeholder 1"/>
+          <p:cNvSpPr>
+            <a:spLocks noGrp="1"/>
+          </p:cNvSpPr>
+          <p:nvPr>
+            <p:ph idx="1"/>
+          </p:nvPr>
+        </p:nvSpPr>
+        <p:spPr/>
+        <p:txBody>
+          <a:bodyPr>
+            <a:normAutofit/>
+          </a:bodyPr>
+          <a:lstStyle/>
+          <a:p>
+            <a:pPr marL="0" indent="0">
+              <a:buNone/>
+            </a:pPr>
+            <a:endParaRPr lang="en-US" dirty="0"/>
+          </a:p>
+          <a:p>
+            <a:pPr marL="0" indent="0">
+              <a:buNone/>
+            </a:pPr>
+            <a:r>
+              <a:rPr lang="en-US" dirty="0"/>
+              <a:t>RSA Security's headquarters and operations center played pivotal roles in responding to the breach."</a:t>
+            </a:r>
+          </a:p>
+          <a:p>
+            <a:pPr marL="0" indent="0">
+              <a:buNone/>
+            </a:pPr>
+            <a:r>
+              <a:rPr lang="en-US" dirty="0"/>
+              <a:t>We’ll describe the significance of these locations in managing the incident.</a:t>
+            </a:r>
+          </a:p>
+          <a:p>
+            <a:pPr marL="0" indent="0">
+              <a:buNone/>
+            </a:pPr>
+            <a:endParaRPr lang="en-US" dirty="0"/>
+          </a:p>
+        </p:txBody>
+      </p:sp>
+    </p:spTree>
+    <p:extLst>
+      <p:ext uri="{BB962C8B-B14F-4D97-AF65-F5344CB8AC3E}">
+        <p14:creationId xmlns:p14="http://schemas.microsoft.com/office/powerpoint/2010/main" val="3627623680"/>
+      </p:ext>
+    </p:extLst>
+  </p:cSld>
+  <p:clrMapOvr>
+    <a:masterClrMapping/>
+  </p:clrMapOvr>
+  <mc:AlternateContent xmlns:mc="http://schemas.openxmlformats.org/markup-compatibility/2006" xmlns:p14="http://schemas.microsoft.com/office/powerpoint/2010/main">
+    <mc:Choice Requires="p14">
+      <p:transition spd="med" p14:dur="700">
+        <p:fade/>
+      </p:transition>
+    </mc:Choice>
+    <mc:Fallback xmlns="">
+      <p:transition spd="med">
+        <p:fade/>
+      </p:transition>
+    </mc:Fallback>
+  </mc:AlternateContent>
+</p:sld>
+</file>
+
+<file path=ppt/slides/slide17.xml><?xml version="1.0" encoding="utf-8"?>
+<p:sld xmlns:a="http://schemas.openxmlformats.org/drawingml/2006/main" xmlns:r="http://schemas.openxmlformats.org/officeDocument/2006/relationships" xmlns:p="http://schemas.openxmlformats.org/presentationml/2006/main">
+  <p:cSld>
+    <p:spTree>
+      <p:nvGrpSpPr>
+        <p:cNvPr id="1" name=""/>
+        <p:cNvGrpSpPr/>
+        <p:nvPr/>
+      </p:nvGrpSpPr>
+      <p:grpSpPr>
+        <a:xfrm>
+          <a:off x="0" y="0"/>
+          <a:ext cx="0" cy="0"/>
+          <a:chOff x="0" y="0"/>
+          <a:chExt cx="0" cy="0"/>
+        </a:xfrm>
+      </p:grpSpPr>
+      <p:sp>
+        <p:nvSpPr>
+          <p:cNvPr id="3" name="Title 2"/>
+          <p:cNvSpPr>
+            <a:spLocks noGrp="1"/>
+          </p:cNvSpPr>
+          <p:nvPr>
+            <p:ph type="title"/>
+          </p:nvPr>
+        </p:nvSpPr>
+        <p:spPr/>
+        <p:txBody>
+          <a:bodyPr/>
+          <a:lstStyle/>
+          <a:p>
+            <a:pPr algn="ctr"/>
+            <a:r>
+              <a:rPr lang="en-US" dirty="0"/>
+              <a:t>Slide 11: Rackspace Cloud Hosting</a:t>
+            </a:r>
+          </a:p>
+        </p:txBody>
+      </p:sp>
+      <p:sp>
+        <p:nvSpPr>
+          <p:cNvPr id="2" name="Content Placeholder 1"/>
+          <p:cNvSpPr>
+            <a:spLocks noGrp="1"/>
+          </p:cNvSpPr>
+          <p:nvPr>
+            <p:ph idx="1"/>
+          </p:nvPr>
+        </p:nvSpPr>
+        <p:spPr>
+          <a:xfrm>
+            <a:off x="1674812" y="1828800"/>
+            <a:ext cx="9143538" cy="3697465"/>
+          </a:xfrm>
+        </p:spPr>
+        <p:txBody>
+          <a:bodyPr>
+            <a:normAutofit/>
+          </a:bodyPr>
+          <a:lstStyle/>
+          <a:p>
+            <a:pPr marL="0" indent="0">
+              <a:buNone/>
+            </a:pPr>
+            <a:endParaRPr lang="en-US" dirty="0"/>
+          </a:p>
+          <a:p>
+            <a:pPr marL="0" indent="0">
+              <a:buNone/>
+            </a:pPr>
+            <a:r>
+              <a:rPr lang="en-US" dirty="0"/>
+              <a:t>A pivotal breach phase involved the stolen seeds finding refuge on a server hosted by Rackspace, a cloud hosting provider."</a:t>
+            </a:r>
+          </a:p>
+          <a:p>
+            <a:pPr marL="0" indent="0">
+              <a:buNone/>
+            </a:pPr>
+            <a:r>
+              <a:rPr lang="en-US" dirty="0"/>
+              <a:t>We'll discuss the involvement of Rackspace and its significance in the investigation."</a:t>
+            </a:r>
+          </a:p>
+          <a:p>
+            <a:pPr marL="0" indent="0">
+              <a:buNone/>
+            </a:pPr>
+            <a:endParaRPr lang="en-US" dirty="0"/>
+          </a:p>
+        </p:txBody>
+      </p:sp>
+    </p:spTree>
+    <p:extLst>
+      <p:ext uri="{BB962C8B-B14F-4D97-AF65-F5344CB8AC3E}">
+        <p14:creationId xmlns:p14="http://schemas.microsoft.com/office/powerpoint/2010/main" val="2477706489"/>
+      </p:ext>
+    </p:extLst>
+  </p:cSld>
+  <p:clrMapOvr>
+    <a:masterClrMapping/>
+  </p:clrMapOvr>
+  <mc:AlternateContent xmlns:mc="http://schemas.openxmlformats.org/markup-compatibility/2006" xmlns:p14="http://schemas.microsoft.com/office/powerpoint/2010/main">
+    <mc:Choice Requires="p14">
+      <p:transition spd="med" p14:dur="700">
+        <p:fade/>
+      </p:transition>
+    </mc:Choice>
+    <mc:Fallback xmlns="">
+      <p:transition spd="med">
+        <p:fade/>
+      </p:transition>
+    </mc:Fallback>
+  </mc:AlternateContent>
+</p:sld>
+</file>
+
+<file path=ppt/slides/slide18.xml><?xml version="1.0" encoding="utf-8"?>
+<p:sld xmlns:a="http://schemas.openxmlformats.org/drawingml/2006/main" xmlns:r="http://schemas.openxmlformats.org/officeDocument/2006/relationships" xmlns:p="http://schemas.openxmlformats.org/presentationml/2006/main">
+  <p:cSld>
+    <p:spTree>
+      <p:nvGrpSpPr>
+        <p:cNvPr id="1" name=""/>
+        <p:cNvGrpSpPr/>
+        <p:nvPr/>
+      </p:nvGrpSpPr>
+      <p:grpSpPr>
+        <a:xfrm>
+          <a:off x="0" y="0"/>
+          <a:ext cx="0" cy="0"/>
+          <a:chOff x="0" y="0"/>
+          <a:chExt cx="0" cy="0"/>
+        </a:xfrm>
+      </p:grpSpPr>
+      <p:sp>
+        <p:nvSpPr>
+          <p:cNvPr id="3" name="Title 2"/>
+          <p:cNvSpPr>
+            <a:spLocks noGrp="1"/>
+          </p:cNvSpPr>
+          <p:nvPr>
+            <p:ph type="title"/>
+          </p:nvPr>
+        </p:nvSpPr>
+        <p:spPr/>
+        <p:txBody>
+          <a:bodyPr/>
+          <a:lstStyle/>
+          <a:p>
+            <a:pPr algn="ctr"/>
+            <a:r>
+              <a:rPr lang="en-US" dirty="0"/>
+              <a:t>Slide 12: The Why</a:t>
+            </a:r>
+          </a:p>
+        </p:txBody>
+      </p:sp>
+      <p:sp>
+        <p:nvSpPr>
+          <p:cNvPr id="2" name="Content Placeholder 1"/>
+          <p:cNvSpPr>
+            <a:spLocks noGrp="1"/>
+          </p:cNvSpPr>
+          <p:nvPr>
+            <p:ph idx="1"/>
+          </p:nvPr>
+        </p:nvSpPr>
+        <p:spPr/>
+        <p:txBody>
+          <a:bodyPr>
+            <a:normAutofit/>
+          </a:bodyPr>
+          <a:lstStyle/>
+          <a:p>
+            <a:pPr marL="0" indent="0">
+              <a:buNone/>
+            </a:pPr>
+            <a:endParaRPr lang="en-US" dirty="0"/>
+          </a:p>
+          <a:p>
+            <a:pPr marL="0" indent="0">
+              <a:buNone/>
+            </a:pPr>
+            <a:r>
+              <a:rPr lang="en-US" dirty="0"/>
+              <a:t>Understanding 'The Why' behind the attack is crucial to unraveling the RSA breach.</a:t>
+            </a:r>
+          </a:p>
+          <a:p>
+            <a:pPr marL="0" indent="0">
+              <a:buNone/>
+            </a:pPr>
+            <a:r>
+              <a:rPr lang="en-US" dirty="0"/>
+              <a:t>We'll explore the motivations of the attackers and the broader strategic and geopolitical goals they pursued.</a:t>
+            </a:r>
+          </a:p>
+          <a:p>
+            <a:pPr marL="0" indent="0">
+              <a:buNone/>
+            </a:pPr>
+            <a:endParaRPr lang="en-US" dirty="0"/>
+          </a:p>
+        </p:txBody>
+      </p:sp>
+    </p:spTree>
+    <p:extLst>
+      <p:ext uri="{BB962C8B-B14F-4D97-AF65-F5344CB8AC3E}">
+        <p14:creationId xmlns:p14="http://schemas.microsoft.com/office/powerpoint/2010/main" val="3330843289"/>
+      </p:ext>
+    </p:extLst>
+  </p:cSld>
+  <p:clrMapOvr>
+    <a:masterClrMapping/>
+  </p:clrMapOvr>
+  <mc:AlternateContent xmlns:mc="http://schemas.openxmlformats.org/markup-compatibility/2006" xmlns:p14="http://schemas.microsoft.com/office/powerpoint/2010/main">
+    <mc:Choice Requires="p14">
+      <p:transition spd="med" p14:dur="700">
+        <p:fade/>
+      </p:transition>
+    </mc:Choice>
+    <mc:Fallback xmlns="">
+      <p:transition spd="med">
+        <p:fade/>
+      </p:transition>
+    </mc:Fallback>
+  </mc:AlternateContent>
+</p:sld>
+</file>
+
+<file path=ppt/slides/slide19.xml><?xml version="1.0" encoding="utf-8"?>
+<p:sld xmlns:a="http://schemas.openxmlformats.org/drawingml/2006/main" xmlns:r="http://schemas.openxmlformats.org/officeDocument/2006/relationships" xmlns:p="http://schemas.openxmlformats.org/presentationml/2006/main">
+  <p:cSld>
+    <p:spTree>
+      <p:nvGrpSpPr>
+        <p:cNvPr id="1" name=""/>
+        <p:cNvGrpSpPr/>
+        <p:nvPr/>
+      </p:nvGrpSpPr>
+      <p:grpSpPr>
+        <a:xfrm>
+          <a:off x="0" y="0"/>
+          <a:ext cx="0" cy="0"/>
+          <a:chOff x="0" y="0"/>
+          <a:chExt cx="0" cy="0"/>
+        </a:xfrm>
+      </p:grpSpPr>
+      <p:sp>
+        <p:nvSpPr>
+          <p:cNvPr id="3" name="Title 2"/>
+          <p:cNvSpPr>
+            <a:spLocks noGrp="1"/>
+          </p:cNvSpPr>
+          <p:nvPr>
+            <p:ph type="title"/>
+          </p:nvPr>
+        </p:nvSpPr>
+        <p:spPr/>
+        <p:txBody>
+          <a:bodyPr/>
+          <a:lstStyle/>
+          <a:p>
+            <a:pPr algn="ctr"/>
+            <a:r>
+              <a:rPr lang="en-US" dirty="0"/>
+              <a:t>Slide 13: Strategic Geopolitical Goals</a:t>
+            </a:r>
+          </a:p>
+        </p:txBody>
+      </p:sp>
+      <p:sp>
+        <p:nvSpPr>
+          <p:cNvPr id="2" name="Content Placeholder 1"/>
+          <p:cNvSpPr>
+            <a:spLocks noGrp="1"/>
+          </p:cNvSpPr>
+          <p:nvPr>
+            <p:ph idx="1"/>
+          </p:nvPr>
+        </p:nvSpPr>
+        <p:spPr/>
+        <p:txBody>
+          <a:bodyPr>
+            <a:normAutofit/>
+          </a:bodyPr>
+          <a:lstStyle/>
+          <a:p>
+            <a:pPr marL="0" indent="0">
+              <a:buNone/>
+            </a:pPr>
+            <a:endParaRPr lang="en-US" dirty="0"/>
+          </a:p>
+          <a:p>
+            <a:pPr marL="0" indent="0">
+              <a:buNone/>
+            </a:pPr>
+            <a:r>
+              <a:rPr lang="en-US" dirty="0"/>
+              <a:t>The RSA breach wasn't just about data theft; it was a plot with strategic geopolitical goals.</a:t>
+            </a:r>
+          </a:p>
+          <a:p>
+            <a:pPr marL="0" indent="0">
+              <a:buNone/>
+            </a:pPr>
+            <a:r>
+              <a:rPr lang="en-US" dirty="0"/>
+              <a:t>We’ll investigate the attackers' strategic objectives and how they influenced the breach.</a:t>
+            </a:r>
+          </a:p>
+          <a:p>
+            <a:pPr marL="0" indent="0">
+              <a:buNone/>
+            </a:pPr>
+            <a:endParaRPr lang="en-US" dirty="0"/>
+          </a:p>
+        </p:txBody>
+      </p:sp>
+    </p:spTree>
+    <p:extLst>
+      <p:ext uri="{BB962C8B-B14F-4D97-AF65-F5344CB8AC3E}">
+        <p14:creationId xmlns:p14="http://schemas.microsoft.com/office/powerpoint/2010/main" val="190250103"/>
+      </p:ext>
+    </p:extLst>
+  </p:cSld>
+  <p:clrMapOvr>
+    <a:masterClrMapping/>
+  </p:clrMapOvr>
+  <mc:AlternateContent xmlns:mc="http://schemas.openxmlformats.org/markup-compatibility/2006" xmlns:p14="http://schemas.microsoft.com/office/powerpoint/2010/main">
+    <mc:Choice Requires="p14">
+      <p:transition spd="med" p14:dur="700">
+        <p:fade/>
+      </p:transition>
+    </mc:Choice>
+    <mc:Fallback xmlns="">
+      <p:transition spd="med">
+        <p:fade/>
+      </p:transition>
+    </mc:Fallback>
+  </mc:AlternateContent>
+</p:sld>
+</file>
+
+<file path=ppt/slides/slide2.xml><?xml version="1.0" encoding="utf-8"?>
+<p:sld xmlns:a="http://schemas.openxmlformats.org/drawingml/2006/main" xmlns:r="http://schemas.openxmlformats.org/officeDocument/2006/relationships" xmlns:p="http://schemas.openxmlformats.org/presentationml/2006/main">
+  <p:cSld>
+    <p:spTree>
+      <p:nvGrpSpPr>
+        <p:cNvPr id="1" name=""/>
+        <p:cNvGrpSpPr/>
+        <p:nvPr/>
+      </p:nvGrpSpPr>
+      <p:grpSpPr>
+        <a:xfrm>
+          <a:off x="0" y="0"/>
+          <a:ext cx="0" cy="0"/>
+          <a:chOff x="0" y="0"/>
+          <a:chExt cx="0" cy="0"/>
+        </a:xfrm>
+      </p:grpSpPr>
+      <p:sp>
+        <p:nvSpPr>
+          <p:cNvPr id="2" name="Title 1"/>
+          <p:cNvSpPr>
+            <a:spLocks noGrp="1"/>
+          </p:cNvSpPr>
+          <p:nvPr>
+            <p:ph type="title"/>
+          </p:nvPr>
+        </p:nvSpPr>
+        <p:spPr/>
+        <p:txBody>
+          <a:bodyPr/>
+          <a:lstStyle/>
+          <a:p>
+            <a:pPr algn="ctr"/>
+            <a:r>
+              <a:rPr lang="en-US" dirty="0"/>
+              <a:t>INTRODUCTION</a:t>
+            </a:r>
+          </a:p>
+        </p:txBody>
+      </p:sp>
+      <p:sp>
+        <p:nvSpPr>
+          <p:cNvPr id="3" name="Content Placeholder 2"/>
+          <p:cNvSpPr>
+            <a:spLocks noGrp="1"/>
+          </p:cNvSpPr>
+          <p:nvPr>
+            <p:ph idx="1"/>
+          </p:nvPr>
+        </p:nvSpPr>
+        <p:spPr/>
+        <p:txBody>
+          <a:bodyPr>
+            <a:normAutofit/>
+          </a:bodyPr>
+          <a:lstStyle/>
+          <a:p>
+            <a:pPr marL="0" indent="0">
+              <a:buNone/>
+            </a:pPr>
+            <a:endParaRPr lang="en-US" dirty="0"/>
+          </a:p>
+          <a:p>
+            <a:pPr marL="0" indent="0">
+              <a:buNone/>
+            </a:pPr>
+            <a:r>
+              <a:rPr lang="en-US" dirty="0"/>
+              <a:t>RSA Security was a renowned cybersecurity company entrusted with safeguarding digital assets globally.</a:t>
+            </a:r>
+          </a:p>
+          <a:p>
+            <a:pPr marL="0" indent="0">
+              <a:buNone/>
+            </a:pPr>
+            <a:r>
+              <a:rPr lang="en-US" dirty="0"/>
+              <a:t>Include overview of RSA Security, emphasizing its role as a cybersecurity company and the significance of its SecurID product.</a:t>
+            </a:r>
+          </a:p>
+          <a:p>
+            <a:pPr marL="0" indent="0">
+              <a:buNone/>
+            </a:pPr>
+            <a:r>
+              <a:rPr lang="en-US" dirty="0"/>
+              <a:t>explore the critical aspects of the breach, including the key players involved, what was stolen, when and where it occurred, and why it matters</a:t>
+            </a:r>
+          </a:p>
+          <a:p>
+            <a:pPr marL="0" indent="0">
+              <a:buNone/>
+            </a:pPr>
+            <a:endParaRPr lang="en-US" dirty="0"/>
+          </a:p>
+        </p:txBody>
+      </p:sp>
+    </p:spTree>
+    <p:extLst>
+      <p:ext uri="{BB962C8B-B14F-4D97-AF65-F5344CB8AC3E}">
+        <p14:creationId xmlns:p14="http://schemas.microsoft.com/office/powerpoint/2010/main" val="3148110083"/>
+      </p:ext>
+    </p:extLst>
+  </p:cSld>
+  <p:clrMapOvr>
+    <a:masterClrMapping/>
+  </p:clrMapOvr>
+  <mc:AlternateContent xmlns:mc="http://schemas.openxmlformats.org/markup-compatibility/2006" xmlns:p14="http://schemas.microsoft.com/office/powerpoint/2010/main">
+    <mc:Choice Requires="p14">
+      <p:transition spd="med" p14:dur="700">
+        <p:fade/>
+      </p:transition>
+    </mc:Choice>
+    <mc:Fallback xmlns="">
+      <p:transition spd="med">
+        <p:fade/>
+      </p:transition>
+    </mc:Fallback>
+  </mc:AlternateContent>
+</p:sld>
+</file>
+
+<file path=ppt/slides/slide20.xml><?xml version="1.0" encoding="utf-8"?>
+<p:sld xmlns:a="http://schemas.openxmlformats.org/drawingml/2006/main" xmlns:r="http://schemas.openxmlformats.org/officeDocument/2006/relationships" xmlns:p="http://schemas.openxmlformats.org/presentationml/2006/main">
+  <p:cSld>
+    <p:spTree>
+      <p:nvGrpSpPr>
+        <p:cNvPr id="1" name=""/>
+        <p:cNvGrpSpPr/>
+        <p:nvPr/>
+      </p:nvGrpSpPr>
+      <p:grpSpPr>
+        <a:xfrm>
+          <a:off x="0" y="0"/>
+          <a:ext cx="0" cy="0"/>
+          <a:chOff x="0" y="0"/>
+          <a:chExt cx="0" cy="0"/>
+        </a:xfrm>
+      </p:grpSpPr>
+      <p:sp>
+        <p:nvSpPr>
+          <p:cNvPr id="3" name="Title 2"/>
+          <p:cNvSpPr>
+            <a:spLocks noGrp="1"/>
+          </p:cNvSpPr>
+          <p:nvPr>
+            <p:ph type="title"/>
+          </p:nvPr>
+        </p:nvSpPr>
+        <p:spPr/>
+        <p:txBody>
+          <a:bodyPr/>
+          <a:lstStyle/>
+          <a:p>
+            <a:pPr algn="ctr"/>
+            <a:r>
+              <a:rPr lang="en-US" dirty="0"/>
+              <a:t>Slide 14: Potential for Widespread Impact</a:t>
+            </a:r>
+          </a:p>
+        </p:txBody>
+      </p:sp>
+      <p:sp>
+        <p:nvSpPr>
+          <p:cNvPr id="2" name="Content Placeholder 1"/>
+          <p:cNvSpPr>
+            <a:spLocks noGrp="1"/>
+          </p:cNvSpPr>
+          <p:nvPr>
+            <p:ph idx="1"/>
+          </p:nvPr>
+        </p:nvSpPr>
+        <p:spPr/>
+        <p:txBody>
+          <a:bodyPr>
+            <a:normAutofit/>
+          </a:bodyPr>
+          <a:lstStyle/>
+          <a:p>
+            <a:pPr marL="0" indent="0">
+              <a:buNone/>
+            </a:pPr>
+            <a:endParaRPr lang="en-US" dirty="0"/>
+          </a:p>
+          <a:p>
+            <a:pPr marL="0" indent="0">
+              <a:buNone/>
+            </a:pPr>
+            <a:r>
+              <a:rPr lang="en-US" dirty="0"/>
+              <a:t>The compromise of the SecurID seeds had the potential to create chaos on a global scale.</a:t>
+            </a:r>
+          </a:p>
+          <a:p>
+            <a:pPr marL="0" indent="0">
+              <a:buNone/>
+            </a:pPr>
+            <a:r>
+              <a:rPr lang="en-US" dirty="0"/>
+              <a:t>We'll highlight the far-reaching consequences on governments, defense contractors, and more.</a:t>
+            </a:r>
+          </a:p>
+          <a:p>
+            <a:endParaRPr lang="en-US" dirty="0"/>
+          </a:p>
+        </p:txBody>
+      </p:sp>
+    </p:spTree>
+    <p:extLst>
+      <p:ext uri="{BB962C8B-B14F-4D97-AF65-F5344CB8AC3E}">
+        <p14:creationId xmlns:p14="http://schemas.microsoft.com/office/powerpoint/2010/main" val="411134429"/>
+      </p:ext>
+    </p:extLst>
+  </p:cSld>
+  <p:clrMapOvr>
+    <a:masterClrMapping/>
+  </p:clrMapOvr>
+  <mc:AlternateContent xmlns:mc="http://schemas.openxmlformats.org/markup-compatibility/2006" xmlns:p14="http://schemas.microsoft.com/office/powerpoint/2010/main">
+    <mc:Choice Requires="p14">
+      <p:transition spd="med" p14:dur="700">
+        <p:fade/>
+      </p:transition>
+    </mc:Choice>
+    <mc:Fallback xmlns="">
+      <p:transition spd="med">
+        <p:fade/>
+      </p:transition>
+    </mc:Fallback>
+  </mc:AlternateContent>
+</p:sld>
+</file>
+
+<file path=ppt/slides/slide21.xml><?xml version="1.0" encoding="utf-8"?>
+<p:sld xmlns:a="http://schemas.openxmlformats.org/drawingml/2006/main" xmlns:r="http://schemas.openxmlformats.org/officeDocument/2006/relationships" xmlns:p="http://schemas.openxmlformats.org/presentationml/2006/main">
+  <p:cSld>
+    <p:spTree>
+      <p:nvGrpSpPr>
+        <p:cNvPr id="1" name=""/>
+        <p:cNvGrpSpPr/>
+        <p:nvPr/>
+      </p:nvGrpSpPr>
+      <p:grpSpPr>
+        <a:xfrm>
+          <a:off x="0" y="0"/>
+          <a:ext cx="0" cy="0"/>
+          <a:chOff x="0" y="0"/>
+          <a:chExt cx="0" cy="0"/>
+        </a:xfrm>
+      </p:grpSpPr>
+      <p:sp>
+        <p:nvSpPr>
+          <p:cNvPr id="3" name="Title 2"/>
+          <p:cNvSpPr>
+            <a:spLocks noGrp="1"/>
+          </p:cNvSpPr>
+          <p:nvPr>
+            <p:ph type="title"/>
+          </p:nvPr>
+        </p:nvSpPr>
+        <p:spPr/>
+        <p:txBody>
+          <a:bodyPr/>
+          <a:lstStyle/>
+          <a:p>
+            <a:pPr algn="ctr"/>
+            <a:r>
+              <a:rPr lang="en-US" dirty="0"/>
+              <a:t>Slide 15: Conclusion</a:t>
+            </a:r>
+          </a:p>
+        </p:txBody>
+      </p:sp>
+      <p:sp>
+        <p:nvSpPr>
+          <p:cNvPr id="2" name="Content Placeholder 1"/>
+          <p:cNvSpPr>
+            <a:spLocks noGrp="1"/>
+          </p:cNvSpPr>
+          <p:nvPr>
+            <p:ph idx="1"/>
+          </p:nvPr>
+        </p:nvSpPr>
+        <p:spPr/>
+        <p:txBody>
+          <a:bodyPr>
+            <a:normAutofit/>
+          </a:bodyPr>
+          <a:lstStyle/>
+          <a:p>
+            <a:pPr marL="0" indent="0">
+              <a:buNone/>
+            </a:pPr>
+            <a:endParaRPr lang="en-US" dirty="0"/>
+          </a:p>
+          <a:p>
+            <a:pPr marL="0" indent="0">
+              <a:buNone/>
+            </a:pPr>
+            <a:r>
+              <a:rPr lang="en-US" dirty="0"/>
+              <a:t>In conclusion, the RSA breach of 2011 serves as an enduring testament to the evolving nature of cybersecurity threats.</a:t>
+            </a:r>
+          </a:p>
+          <a:p>
+            <a:pPr marL="0" indent="0">
+              <a:buNone/>
+            </a:pPr>
+            <a:r>
+              <a:rPr lang="en-US" dirty="0"/>
+              <a:t>We've provided insights into the breach, emphasizing the need for ongoing vigilance in safeguarding digital assets and national security.</a:t>
+            </a:r>
+          </a:p>
+          <a:p>
+            <a:endParaRPr lang="en-US" dirty="0"/>
+          </a:p>
+        </p:txBody>
+      </p:sp>
+    </p:spTree>
+    <p:extLst>
+      <p:ext uri="{BB962C8B-B14F-4D97-AF65-F5344CB8AC3E}">
+        <p14:creationId xmlns:p14="http://schemas.microsoft.com/office/powerpoint/2010/main" val="1316844685"/>
+      </p:ext>
+    </p:extLst>
+  </p:cSld>
+  <p:clrMapOvr>
+    <a:masterClrMapping/>
+  </p:clrMapOvr>
+  <mc:AlternateContent xmlns:mc="http://schemas.openxmlformats.org/markup-compatibility/2006" xmlns:p14="http://schemas.microsoft.com/office/powerpoint/2010/main">
+    <mc:Choice Requires="p14">
+      <p:transition spd="med" p14:dur="700">
+        <p:fade/>
+      </p:transition>
+    </mc:Choice>
+    <mc:Fallback xmlns="">
+      <p:transition spd="med">
+        <p:fade/>
+      </p:transition>
+    </mc:Fallback>
+  </mc:AlternateContent>
+</p:sld>
+</file>
+
+<file path=ppt/slides/slide22.xml><?xml version="1.0" encoding="utf-8"?>
+<p:sld xmlns:a="http://schemas.openxmlformats.org/drawingml/2006/main" xmlns:r="http://schemas.openxmlformats.org/officeDocument/2006/relationships" xmlns:p="http://schemas.openxmlformats.org/presentationml/2006/main">
+  <p:cSld>
+    <p:spTree>
+      <p:nvGrpSpPr>
+        <p:cNvPr id="1" name=""/>
+        <p:cNvGrpSpPr/>
+        <p:nvPr/>
+      </p:nvGrpSpPr>
+      <p:grpSpPr>
+        <a:xfrm>
+          <a:off x="0" y="0"/>
+          <a:ext cx="0" cy="0"/>
+          <a:chOff x="0" y="0"/>
+          <a:chExt cx="0" cy="0"/>
+        </a:xfrm>
+      </p:grpSpPr>
+      <p:sp>
+        <p:nvSpPr>
+          <p:cNvPr id="3" name="Title 2"/>
+          <p:cNvSpPr>
+            <a:spLocks noGrp="1"/>
+          </p:cNvSpPr>
+          <p:nvPr>
+            <p:ph type="title"/>
+          </p:nvPr>
+        </p:nvSpPr>
+        <p:spPr/>
+        <p:txBody>
+          <a:bodyPr/>
+          <a:lstStyle/>
+          <a:p>
+            <a:pPr algn="ctr"/>
+            <a:r>
+              <a:rPr lang="en-US" dirty="0"/>
+              <a:t>Q&amp;A (2-4 minutes)</a:t>
+            </a:r>
+            <a:br>
+              <a:rPr lang="en-US" dirty="0"/>
+            </a:br>
+            <a:endParaRPr lang="en-US" dirty="0"/>
+          </a:p>
+        </p:txBody>
+      </p:sp>
+      <p:sp>
+        <p:nvSpPr>
+          <p:cNvPr id="2" name="Content Placeholder 1"/>
+          <p:cNvSpPr>
+            <a:spLocks noGrp="1"/>
+          </p:cNvSpPr>
+          <p:nvPr>
+            <p:ph idx="1"/>
+          </p:nvPr>
+        </p:nvSpPr>
+        <p:spPr/>
+        <p:txBody>
+          <a:bodyPr>
+            <a:normAutofit/>
+          </a:bodyPr>
+          <a:lstStyle/>
+          <a:p>
+            <a:pPr marL="0" indent="0">
+              <a:buNone/>
+            </a:pPr>
+            <a:endParaRPr lang="en-US" dirty="0"/>
+          </a:p>
+          <a:p>
+            <a:pPr marL="0" indent="0">
+              <a:buNone/>
+            </a:pPr>
+            <a:r>
+              <a:rPr lang="en-US" dirty="0"/>
+              <a:t>I will now open the floor to questions and comments….</a:t>
+            </a:r>
+          </a:p>
+          <a:p>
+            <a:endParaRPr lang="en-US" dirty="0"/>
+          </a:p>
+        </p:txBody>
+      </p:sp>
+    </p:spTree>
+    <p:extLst>
+      <p:ext uri="{BB962C8B-B14F-4D97-AF65-F5344CB8AC3E}">
+        <p14:creationId xmlns:p14="http://schemas.microsoft.com/office/powerpoint/2010/main" val="4042471801"/>
+      </p:ext>
+    </p:extLst>
+  </p:cSld>
+  <p:clrMapOvr>
+    <a:masterClrMapping/>
+  </p:clrMapOvr>
+  <mc:AlternateContent xmlns:mc="http://schemas.openxmlformats.org/markup-compatibility/2006" xmlns:p14="http://schemas.microsoft.com/office/powerpoint/2010/main">
+    <mc:Choice Requires="p14">
+      <p:transition spd="med" p14:dur="700">
+        <p:fade/>
+      </p:transition>
+    </mc:Choice>
+    <mc:Fallback xmlns="">
+      <p:transition spd="med">
+        <p:fade/>
+      </p:transition>
+    </mc:Fallback>
+  </mc:AlternateContent>
+</p:sld>
+</file>
+
+<file path=ppt/slides/slide23.xml><?xml version="1.0" encoding="utf-8"?>
+<p:sld xmlns:a="http://schemas.openxmlformats.org/drawingml/2006/main" xmlns:r="http://schemas.openxmlformats.org/officeDocument/2006/relationships" xmlns:p="http://schemas.openxmlformats.org/presentationml/2006/main">
+  <p:cSld>
+    <p:spTree>
+      <p:nvGrpSpPr>
+        <p:cNvPr id="1" name=""/>
+        <p:cNvGrpSpPr/>
+        <p:nvPr/>
+      </p:nvGrpSpPr>
+      <p:grpSpPr>
+        <a:xfrm>
+          <a:off x="0" y="0"/>
+          <a:ext cx="0" cy="0"/>
+          <a:chOff x="0" y="0"/>
+          <a:chExt cx="0" cy="0"/>
+        </a:xfrm>
+      </p:grpSpPr>
+      <p:sp>
+        <p:nvSpPr>
+          <p:cNvPr id="3" name="Title 2"/>
+          <p:cNvSpPr>
+            <a:spLocks noGrp="1"/>
+          </p:cNvSpPr>
+          <p:nvPr>
+            <p:ph type="title"/>
+          </p:nvPr>
+        </p:nvSpPr>
+        <p:spPr/>
+        <p:txBody>
+          <a:bodyPr/>
+          <a:lstStyle/>
+          <a:p>
+            <a:pPr algn="ctr"/>
+            <a:r>
+              <a:rPr lang="en-US"/>
+              <a:t>Thank You </a:t>
+            </a:r>
+            <a:endParaRPr lang="en-US" dirty="0"/>
+          </a:p>
+        </p:txBody>
+      </p:sp>
+      <p:sp>
+        <p:nvSpPr>
+          <p:cNvPr id="2" name="Content Placeholder 1"/>
+          <p:cNvSpPr>
+            <a:spLocks noGrp="1"/>
+          </p:cNvSpPr>
+          <p:nvPr>
+            <p:ph idx="1"/>
+          </p:nvPr>
+        </p:nvSpPr>
+        <p:spPr/>
+        <p:txBody>
+          <a:bodyPr>
+            <a:normAutofit/>
+          </a:bodyPr>
+          <a:lstStyle/>
+          <a:p>
+            <a:pPr marL="0" indent="0" algn="ctr">
+              <a:buNone/>
+            </a:pPr>
+            <a:endParaRPr lang="en-US" dirty="0"/>
+          </a:p>
+          <a:p>
+            <a:pPr marL="0" indent="0" algn="ctr">
+              <a:buNone/>
+            </a:pPr>
+            <a:endParaRPr lang="en-US" dirty="0"/>
+          </a:p>
+          <a:p>
+            <a:pPr marL="0" indent="0" algn="ctr">
+              <a:buNone/>
+            </a:pPr>
+            <a:r>
+              <a:rPr lang="en-US" dirty="0"/>
+              <a:t>THE END</a:t>
+            </a:r>
+          </a:p>
+        </p:txBody>
+      </p:sp>
+    </p:spTree>
+    <p:extLst>
+      <p:ext uri="{BB962C8B-B14F-4D97-AF65-F5344CB8AC3E}">
+        <p14:creationId xmlns:p14="http://schemas.microsoft.com/office/powerpoint/2010/main" val="2958617291"/>
+      </p:ext>
+    </p:extLst>
+  </p:cSld>
+  <p:clrMapOvr>
+    <a:masterClrMapping/>
+  </p:clrMapOvr>
+  <mc:AlternateContent xmlns:mc="http://schemas.openxmlformats.org/markup-compatibility/2006" xmlns:p14="http://schemas.microsoft.com/office/powerpoint/2010/main">
+    <mc:Choice Requires="p14">
+      <p:transition spd="med" p14:dur="700">
+        <p:fade/>
+      </p:transition>
+    </mc:Choice>
+    <mc:Fallback xmlns="">
+      <p:transition spd="med">
+        <p:fade/>
+      </p:transition>
+    </mc:Fallback>
+  </mc:AlternateContent>
+</p:sld>
+</file>
+
+<file path=ppt/slides/slide3.xml><?xml version="1.0" encoding="utf-8"?>
+<p:sld xmlns:a="http://schemas.openxmlformats.org/drawingml/2006/main" xmlns:r="http://schemas.openxmlformats.org/officeDocument/2006/relationships" xmlns:p="http://schemas.openxmlformats.org/presentationml/2006/main">
+  <p:cSld>
+    <p:spTree>
+      <p:nvGrpSpPr>
+        <p:cNvPr id="1" name=""/>
+        <p:cNvGrpSpPr/>
+        <p:nvPr/>
+      </p:nvGrpSpPr>
+      <p:grpSpPr>
+        <a:xfrm>
+          <a:off x="0" y="0"/>
+          <a:ext cx="0" cy="0"/>
+          <a:chOff x="0" y="0"/>
+          <a:chExt cx="0" cy="0"/>
+        </a:xfrm>
+      </p:grpSpPr>
+      <p:sp>
+        <p:nvSpPr>
+          <p:cNvPr id="3" name="Title 2"/>
+          <p:cNvSpPr>
+            <a:spLocks noGrp="1"/>
+          </p:cNvSpPr>
+          <p:nvPr>
+            <p:ph type="title"/>
+          </p:nvPr>
+        </p:nvSpPr>
+        <p:spPr/>
+        <p:txBody>
+          <a:bodyPr/>
+          <a:lstStyle/>
+          <a:p>
+            <a:pPr algn="ctr"/>
+            <a:r>
+              <a:rPr lang="en-US" dirty="0"/>
+              <a:t>Slide 3: What Happened</a:t>
+            </a:r>
+          </a:p>
+        </p:txBody>
+      </p:sp>
+      <p:sp>
+        <p:nvSpPr>
+          <p:cNvPr id="2" name="Content Placeholder 1"/>
+          <p:cNvSpPr>
+            <a:spLocks noGrp="1"/>
+          </p:cNvSpPr>
+          <p:nvPr>
+            <p:ph idx="1"/>
+          </p:nvPr>
+        </p:nvSpPr>
+        <p:spPr/>
+        <p:txBody>
+          <a:bodyPr/>
+          <a:lstStyle/>
+          <a:p>
+            <a:pPr marL="0" indent="0">
+              <a:buNone/>
+            </a:pPr>
+            <a:r>
+              <a:rPr lang="en-US" dirty="0"/>
+              <a:t>March 2011 attackers leveraged a phishing attack out of Australia office to gain admin access and to corporate systems and reach the seed key vault for SecurID systems. </a:t>
+            </a:r>
+          </a:p>
+          <a:p>
+            <a:pPr marL="0" indent="0">
+              <a:buNone/>
+            </a:pPr>
+            <a:r>
+              <a:rPr lang="en-US" dirty="0"/>
+              <a:t>They managed to compromise this system and steal the seeds for all SecurID systems. These seeds were the key for compromising the SecurID systems used by over 30k clients worldwide, including classified government contractors.</a:t>
+            </a:r>
+          </a:p>
+          <a:p>
+            <a:pPr marL="0" indent="0">
+              <a:buNone/>
+            </a:pPr>
+            <a:r>
+              <a:rPr lang="en-US" dirty="0"/>
+              <a:t>Walk through map: DDOS on RSA, AU Phishing, Staging Server, Data egress</a:t>
+            </a:r>
+          </a:p>
+        </p:txBody>
+      </p:sp>
+    </p:spTree>
+    <p:extLst>
+      <p:ext uri="{BB962C8B-B14F-4D97-AF65-F5344CB8AC3E}">
         <p14:creationId xmlns:p14="http://schemas.microsoft.com/office/powerpoint/2010/main" val="1152966011"/>
       </p:ext>
     </p:extLst>
@@ -8216,7 +9211,7 @@
             <a:pPr algn="ctr"/>
             <a:r>
               <a:rPr lang="en-US" dirty="0"/>
-              <a:t>Slide 3: RSA Security</a:t>
+              <a:t>Slide 4: What Went Wrong</a:t>
             </a:r>
           </a:p>
         </p:txBody>
@@ -8243,20 +9238,62 @@
           </a:p>
           <a:p>
             <a:pPr marL="0" indent="0">
+              <a:spcBef>
+                <a:spcPts val="0"/>
+              </a:spcBef>
               <a:buNone/>
             </a:pPr>
             <a:r>
               <a:rPr lang="en-US" dirty="0"/>
-              <a:t> RSA Security was a renowned cybersecurity company entrusted with safeguarding digital assets globally.</a:t>
+              <a:t>Lacking email filtering for phishing</a:t>
             </a:r>
           </a:p>
           <a:p>
             <a:pPr marL="0" indent="0">
+              <a:spcBef>
+                <a:spcPts val="0"/>
+              </a:spcBef>
               <a:buNone/>
             </a:pPr>
             <a:r>
               <a:rPr lang="en-US" dirty="0"/>
-              <a:t>We'll provide an overview of RSA Security, emphasizing its role as a cybersecurity company and the significance of its SecurID product.</a:t>
+              <a:t>scanning attachments for malware</a:t>
+            </a:r>
+          </a:p>
+          <a:p>
+            <a:pPr marL="0" indent="0">
+              <a:spcBef>
+                <a:spcPts val="0"/>
+              </a:spcBef>
+              <a:buNone/>
+            </a:pPr>
+            <a:r>
+              <a:rPr lang="en-US" dirty="0"/>
+              <a:t>Patching</a:t>
+            </a:r>
+          </a:p>
+          <a:p>
+            <a:pPr marL="0" indent="0">
+              <a:spcBef>
+                <a:spcPts val="0"/>
+              </a:spcBef>
+              <a:buNone/>
+            </a:pPr>
+            <a:r>
+              <a:rPr lang="en-US" dirty="0"/>
+              <a:t>Weak password policy</a:t>
+            </a:r>
+          </a:p>
+          <a:p>
+            <a:pPr marL="0" indent="0">
+              <a:spcBef>
+                <a:spcPts val="0"/>
+              </a:spcBef>
+              <a:buNone/>
+            </a:pPr>
+            <a:r>
+              <a:rPr lang="en-US" dirty="0"/>
+              <a:t>No tool such as an EDR (to identity endpoint attacks) or UEBA (unexpected access)</a:t>
             </a:r>
           </a:p>
           <a:p>
@@ -8327,12 +9364,8 @@
             <a:pPr algn="ctr"/>
             <a:r>
               <a:rPr lang="en-US" dirty="0"/>
-              <a:t>Slide 4: Chinese State-Sponsored Threat Actors</a:t>
-            </a:r>
-            <a:br>
-              <a:rPr lang="en-US" dirty="0"/>
-            </a:br>
-            <a:endParaRPr lang="en-US" dirty="0"/>
+              <a:t>Slide 5: How we identified the attack</a:t>
+            </a:r>
           </a:p>
         </p:txBody>
       </p:sp>
@@ -8357,12 +9390,123 @@
             <a:endParaRPr lang="en-US" dirty="0"/>
           </a:p>
           <a:p>
+            <a:r>
+              <a:rPr lang="en-US" dirty="0"/>
+              <a:t>Explain DDOS</a:t>
+            </a:r>
+          </a:p>
+          <a:p>
+            <a:r>
+              <a:rPr lang="en-US" dirty="0"/>
+              <a:t>Some IDS did trigger alerts but shorthanded and did not get all the attention</a:t>
+            </a:r>
+          </a:p>
+          <a:p>
+            <a:r>
+              <a:rPr lang="en-US" dirty="0"/>
+              <a:t>Sysadmin reported unexpected login</a:t>
+            </a:r>
+          </a:p>
+          <a:p>
+            <a:r>
+              <a:rPr lang="en-US" dirty="0"/>
+              <a:t>Once we tracked the attackers, we just missed them exfiltrating the data</a:t>
+            </a:r>
+          </a:p>
+        </p:txBody>
+      </p:sp>
+    </p:spTree>
+    <p:extLst>
+      <p:ext uri="{BB962C8B-B14F-4D97-AF65-F5344CB8AC3E}">
+        <p14:creationId xmlns:p14="http://schemas.microsoft.com/office/powerpoint/2010/main" val="3519010733"/>
+      </p:ext>
+    </p:extLst>
+  </p:cSld>
+  <p:clrMapOvr>
+    <a:masterClrMapping/>
+  </p:clrMapOvr>
+  <mc:AlternateContent xmlns:mc="http://schemas.openxmlformats.org/markup-compatibility/2006" xmlns:p14="http://schemas.microsoft.com/office/powerpoint/2010/main">
+    <mc:Choice Requires="p14">
+      <p:transition spd="med" p14:dur="700">
+        <p:fade/>
+      </p:transition>
+    </mc:Choice>
+    <mc:Fallback xmlns="">
+      <p:transition spd="med">
+        <p:fade/>
+      </p:transition>
+    </mc:Fallback>
+  </mc:AlternateContent>
+</p:sld>
+</file>
+
+<file path=ppt/slides/slide6.xml><?xml version="1.0" encoding="utf-8"?>
+<p:sld xmlns:a="http://schemas.openxmlformats.org/drawingml/2006/main" xmlns:r="http://schemas.openxmlformats.org/officeDocument/2006/relationships" xmlns:p="http://schemas.openxmlformats.org/presentationml/2006/main">
+  <p:cSld>
+    <p:spTree>
+      <p:nvGrpSpPr>
+        <p:cNvPr id="1" name=""/>
+        <p:cNvGrpSpPr/>
+        <p:nvPr/>
+      </p:nvGrpSpPr>
+      <p:grpSpPr>
+        <a:xfrm>
+          <a:off x="0" y="0"/>
+          <a:ext cx="0" cy="0"/>
+          <a:chOff x="0" y="0"/>
+          <a:chExt cx="0" cy="0"/>
+        </a:xfrm>
+      </p:grpSpPr>
+      <p:sp>
+        <p:nvSpPr>
+          <p:cNvPr id="3" name="Title 2"/>
+          <p:cNvSpPr>
+            <a:spLocks noGrp="1"/>
+          </p:cNvSpPr>
+          <p:nvPr>
+            <p:ph type="title"/>
+          </p:nvPr>
+        </p:nvSpPr>
+        <p:spPr/>
+        <p:txBody>
+          <a:bodyPr/>
+          <a:lstStyle/>
+          <a:p>
+            <a:pPr algn="ctr"/>
+            <a:r>
+              <a:rPr lang="en-US" dirty="0"/>
+              <a:t>Slide 6: Kill Chain</a:t>
+            </a:r>
+          </a:p>
+        </p:txBody>
+      </p:sp>
+      <p:sp>
+        <p:nvSpPr>
+          <p:cNvPr id="2" name="Content Placeholder 1"/>
+          <p:cNvSpPr>
+            <a:spLocks noGrp="1"/>
+          </p:cNvSpPr>
+          <p:nvPr>
+            <p:ph idx="1"/>
+          </p:nvPr>
+        </p:nvSpPr>
+        <p:spPr/>
+        <p:txBody>
+          <a:bodyPr/>
+          <a:lstStyle/>
+          <a:p>
             <a:pPr marL="0" indent="0">
               <a:buNone/>
             </a:pPr>
+            <a:endParaRPr lang="en-US" dirty="0"/>
+          </a:p>
+          <a:p>
+            <a:pPr marL="0" indent="0">
+              <a:buNone/>
+            </a:pPr>
             <a:r>
               <a:rPr lang="en-US" dirty="0"/>
-              <a:t>The Chinese state-sponsored threat actors were concealed in the shadows, orchestrating the breach."</a:t>
+              <a:t>Lockheed Martin cyber Kill Chain release in 2011</a:t>
             </a:r>
           </a:p>
           <a:p>
@@ -8370,8 +9514,223 @@
               <a:buNone/>
             </a:pPr>
             <a:r>
+              <a:rPr lang="en-US"/>
+              <a:t>Assist </a:t>
+            </a:r>
+            <a:r>
               <a:rPr lang="en-US" dirty="0"/>
-              <a:t>We'll explore their motivations, level of sophistication, and their concealed identities, which added a layer of intrigue to the incident.</a:t>
+              <a:t>security analysts in breaking down the steps of </a:t>
+            </a:r>
+            <a:r>
+              <a:rPr lang="en-US"/>
+              <a:t>an attack</a:t>
+            </a:r>
+            <a:endParaRPr lang="en-US" dirty="0"/>
+          </a:p>
+          <a:p>
+            <a:endParaRPr lang="en-US" dirty="0"/>
+          </a:p>
+        </p:txBody>
+      </p:sp>
+    </p:spTree>
+    <p:extLst>
+      <p:ext uri="{BB962C8B-B14F-4D97-AF65-F5344CB8AC3E}">
+        <p14:creationId xmlns:p14="http://schemas.microsoft.com/office/powerpoint/2010/main" val="515381222"/>
+      </p:ext>
+    </p:extLst>
+  </p:cSld>
+  <p:clrMapOvr>
+    <a:masterClrMapping/>
+  </p:clrMapOvr>
+  <mc:AlternateContent xmlns:mc="http://schemas.openxmlformats.org/markup-compatibility/2006" xmlns:p14="http://schemas.microsoft.com/office/powerpoint/2010/main">
+    <mc:Choice Requires="p14">
+      <p:transition spd="med" p14:dur="700">
+        <p:fade/>
+      </p:transition>
+    </mc:Choice>
+    <mc:Fallback xmlns="">
+      <p:transition spd="med">
+        <p:fade/>
+      </p:transition>
+    </mc:Fallback>
+  </mc:AlternateContent>
+</p:sld>
+</file>
+
+<file path=ppt/slides/slide7.xml><?xml version="1.0" encoding="utf-8"?>
+<p:sld xmlns:a="http://schemas.openxmlformats.org/drawingml/2006/main" xmlns:r="http://schemas.openxmlformats.org/officeDocument/2006/relationships" xmlns:p="http://schemas.openxmlformats.org/presentationml/2006/main">
+  <p:cSld>
+    <p:spTree>
+      <p:nvGrpSpPr>
+        <p:cNvPr id="1" name=""/>
+        <p:cNvGrpSpPr/>
+        <p:nvPr/>
+      </p:nvGrpSpPr>
+      <p:grpSpPr>
+        <a:xfrm>
+          <a:off x="0" y="0"/>
+          <a:ext cx="0" cy="0"/>
+          <a:chOff x="0" y="0"/>
+          <a:chExt cx="0" cy="0"/>
+        </a:xfrm>
+      </p:grpSpPr>
+      <p:sp>
+        <p:nvSpPr>
+          <p:cNvPr id="2" name="Title 1"/>
+          <p:cNvSpPr>
+            <a:spLocks noGrp="1"/>
+          </p:cNvSpPr>
+          <p:nvPr>
+            <p:ph type="title"/>
+          </p:nvPr>
+        </p:nvSpPr>
+        <p:spPr/>
+        <p:txBody>
+          <a:bodyPr/>
+          <a:lstStyle/>
+          <a:p>
+            <a:pPr algn="ctr"/>
+            <a:r>
+              <a:rPr lang="en-US" dirty="0"/>
+              <a:t>INTRODUCTION</a:t>
+            </a:r>
+          </a:p>
+        </p:txBody>
+      </p:sp>
+      <p:sp>
+        <p:nvSpPr>
+          <p:cNvPr id="3" name="Content Placeholder 2"/>
+          <p:cNvSpPr>
+            <a:spLocks noGrp="1"/>
+          </p:cNvSpPr>
+          <p:nvPr>
+            <p:ph idx="1"/>
+          </p:nvPr>
+        </p:nvSpPr>
+        <p:spPr/>
+        <p:txBody>
+          <a:bodyPr/>
+          <a:lstStyle/>
+          <a:p>
+            <a:pPr marL="0" indent="0">
+              <a:buNone/>
+            </a:pPr>
+            <a:endParaRPr lang="en-US" dirty="0"/>
+          </a:p>
+          <a:p>
+            <a:pPr marL="0" indent="0">
+              <a:buNone/>
+            </a:pPr>
+            <a:r>
+              <a:rPr lang="en-US" dirty="0"/>
+              <a:t>Ladies and gentlemen, welcome to our presentation on the RSA breach of 2011, a pivotal moment in cybersecurity history.</a:t>
+            </a:r>
+          </a:p>
+          <a:p>
+            <a:pPr marL="0" indent="0">
+              <a:buNone/>
+            </a:pPr>
+            <a:r>
+              <a:rPr lang="en-US" dirty="0"/>
+              <a:t>"Today, we will explore the critical aspects of the breach, including the key players involved, what was stolen, when and where it occurred, and why it matters</a:t>
+            </a:r>
+          </a:p>
+        </p:txBody>
+      </p:sp>
+    </p:spTree>
+    <p:extLst>
+      <p:ext uri="{BB962C8B-B14F-4D97-AF65-F5344CB8AC3E}">
+        <p14:creationId xmlns:p14="http://schemas.microsoft.com/office/powerpoint/2010/main" val="3225278323"/>
+      </p:ext>
+    </p:extLst>
+  </p:cSld>
+  <p:clrMapOvr>
+    <a:masterClrMapping/>
+  </p:clrMapOvr>
+  <mc:AlternateContent xmlns:mc="http://schemas.openxmlformats.org/markup-compatibility/2006" xmlns:p14="http://schemas.microsoft.com/office/powerpoint/2010/main">
+    <mc:Choice Requires="p14">
+      <p:transition spd="med" p14:dur="700">
+        <p:fade/>
+      </p:transition>
+    </mc:Choice>
+    <mc:Fallback xmlns="">
+      <p:transition spd="med">
+        <p:fade/>
+      </p:transition>
+    </mc:Fallback>
+  </mc:AlternateContent>
+</p:sld>
+</file>
+
+<file path=ppt/slides/slide8.xml><?xml version="1.0" encoding="utf-8"?>
+<p:sld xmlns:a="http://schemas.openxmlformats.org/drawingml/2006/main" xmlns:r="http://schemas.openxmlformats.org/officeDocument/2006/relationships" xmlns:p="http://schemas.openxmlformats.org/presentationml/2006/main">
+  <p:cSld>
+    <p:spTree>
+      <p:nvGrpSpPr>
+        <p:cNvPr id="1" name=""/>
+        <p:cNvGrpSpPr/>
+        <p:nvPr/>
+      </p:nvGrpSpPr>
+      <p:grpSpPr>
+        <a:xfrm>
+          <a:off x="0" y="0"/>
+          <a:ext cx="0" cy="0"/>
+          <a:chOff x="0" y="0"/>
+          <a:chExt cx="0" cy="0"/>
+        </a:xfrm>
+      </p:grpSpPr>
+      <p:sp>
+        <p:nvSpPr>
+          <p:cNvPr id="3" name="Title 2"/>
+          <p:cNvSpPr>
+            <a:spLocks noGrp="1"/>
+          </p:cNvSpPr>
+          <p:nvPr>
+            <p:ph type="title"/>
+          </p:nvPr>
+        </p:nvSpPr>
+        <p:spPr/>
+        <p:txBody>
+          <a:bodyPr/>
+          <a:lstStyle/>
+          <a:p>
+            <a:r>
+              <a:rPr lang="en-US" dirty="0"/>
+              <a:t>Slide 2: The Who</a:t>
+            </a:r>
+          </a:p>
+        </p:txBody>
+      </p:sp>
+      <p:sp>
+        <p:nvSpPr>
+          <p:cNvPr id="2" name="Content Placeholder 1"/>
+          <p:cNvSpPr>
+            <a:spLocks noGrp="1"/>
+          </p:cNvSpPr>
+          <p:nvPr>
+            <p:ph idx="1"/>
+          </p:nvPr>
+        </p:nvSpPr>
+        <p:spPr/>
+        <p:txBody>
+          <a:bodyPr/>
+          <a:lstStyle/>
+          <a:p>
+            <a:pPr marL="0" indent="0">
+              <a:buNone/>
+            </a:pPr>
+            <a:r>
+              <a:rPr lang="en-US" dirty="0"/>
+              <a:t>Let's begin by discussing 'The Who' in this breach, the central players that defined this incident."</a:t>
+            </a:r>
+          </a:p>
+          <a:p>
+            <a:pPr marL="0" indent="0">
+              <a:buNone/>
+            </a:pPr>
+            <a:r>
+              <a:rPr lang="en-US" dirty="0"/>
+              <a:t>We will focus on RSA Security, a trusted name in cybersecurity, and the mysterious Chinese state-sponsored threat actors behind the breach.</a:t>
             </a:r>
           </a:p>
           <a:p>
@@ -8614,328 +9973,7 @@
     </p:spTree>
     <p:extLst>
       <p:ext uri="{BB962C8B-B14F-4D97-AF65-F5344CB8AC3E}">
-        <p14:creationId xmlns:p14="http://schemas.microsoft.com/office/powerpoint/2010/main" val="3224243975"/>
-      </p:ext>
-    </p:extLst>
-  </p:cSld>
-  <p:clrMapOvr>
-    <a:masterClrMapping/>
-  </p:clrMapOvr>
-  <mc:AlternateContent xmlns:mc="http://schemas.openxmlformats.org/markup-compatibility/2006" xmlns:p14="http://schemas.microsoft.com/office/powerpoint/2010/main">
-    <mc:Choice Requires="p14">
-      <p:transition spd="med" p14:dur="700">
-        <p:fade/>
-      </p:transition>
-    </mc:Choice>
-    <mc:Fallback xmlns="">
-      <p:transition spd="med">
-        <p:fade/>
-      </p:transition>
-    </mc:Fallback>
-  </mc:AlternateContent>
-</p:sld>
-</file>
-
-<file path=ppt/slides/slide6.xml><?xml version="1.0" encoding="utf-8"?>
-<p:sld xmlns:a="http://schemas.openxmlformats.org/drawingml/2006/main" xmlns:r="http://schemas.openxmlformats.org/officeDocument/2006/relationships" xmlns:p="http://schemas.openxmlformats.org/presentationml/2006/main">
-  <p:cSld>
-    <p:spTree>
-      <p:nvGrpSpPr>
-        <p:cNvPr id="1" name=""/>
-        <p:cNvGrpSpPr/>
-        <p:nvPr/>
-      </p:nvGrpSpPr>
-      <p:grpSpPr>
-        <a:xfrm>
-          <a:off x="0" y="0"/>
-          <a:ext cx="0" cy="0"/>
-          <a:chOff x="0" y="0"/>
-          <a:chExt cx="0" cy="0"/>
-        </a:xfrm>
-      </p:grpSpPr>
-      <p:sp>
-        <p:nvSpPr>
-          <p:cNvPr id="3" name="Title 2"/>
-          <p:cNvSpPr>
-            <a:spLocks noGrp="1"/>
-          </p:cNvSpPr>
-          <p:nvPr>
-            <p:ph type="title"/>
-          </p:nvPr>
-        </p:nvSpPr>
-        <p:spPr/>
-        <p:txBody>
-          <a:bodyPr/>
-          <a:lstStyle/>
-          <a:p>
-            <a:pPr algn="ctr"/>
-            <a:r>
-              <a:rPr lang="en-US" dirty="0"/>
-              <a:t>Slide 5: The What</a:t>
-            </a:r>
-          </a:p>
-        </p:txBody>
-      </p:sp>
-      <p:sp>
-        <p:nvSpPr>
-          <p:cNvPr id="2" name="Content Placeholder 1"/>
-          <p:cNvSpPr>
-            <a:spLocks noGrp="1"/>
-          </p:cNvSpPr>
-          <p:nvPr>
-            <p:ph idx="1"/>
-          </p:nvPr>
-        </p:nvSpPr>
-        <p:spPr/>
-        <p:txBody>
-          <a:bodyPr/>
-          <a:lstStyle/>
-          <a:p>
-            <a:pPr marL="0" indent="0">
-              <a:buNone/>
-            </a:pPr>
-            <a:endParaRPr lang="en-US" dirty="0"/>
-          </a:p>
-          <a:p>
-            <a:r>
-              <a:rPr lang="en-US" dirty="0"/>
-              <a:t>Now, let's dive into 'The What.' What was stolen during the breach and why did it matter?"</a:t>
-            </a:r>
-          </a:p>
-          <a:p>
-            <a:r>
-              <a:rPr lang="en-US" dirty="0"/>
-              <a:t>Our primary focus will be on the compromise of SecurID seeds and the critical implications of this theft.</a:t>
-            </a:r>
-          </a:p>
-          <a:p>
-            <a:endParaRPr lang="en-US" dirty="0"/>
-          </a:p>
-        </p:txBody>
-      </p:sp>
-    </p:spTree>
-    <p:extLst>
-      <p:ext uri="{BB962C8B-B14F-4D97-AF65-F5344CB8AC3E}">
-        <p14:creationId xmlns:p14="http://schemas.microsoft.com/office/powerpoint/2010/main" val="3519010733"/>
-      </p:ext>
-    </p:extLst>
-  </p:cSld>
-  <p:clrMapOvr>
-    <a:masterClrMapping/>
-  </p:clrMapOvr>
-  <mc:AlternateContent xmlns:mc="http://schemas.openxmlformats.org/markup-compatibility/2006" xmlns:p14="http://schemas.microsoft.com/office/powerpoint/2010/main">
-    <mc:Choice Requires="p14">
-      <p:transition spd="med" p14:dur="700">
-        <p:fade/>
-      </p:transition>
-    </mc:Choice>
-    <mc:Fallback xmlns="">
-      <p:transition spd="med">
-        <p:fade/>
-      </p:transition>
-    </mc:Fallback>
-  </mc:AlternateContent>
-</p:sld>
-</file>
-
-<file path=ppt/slides/slide7.xml><?xml version="1.0" encoding="utf-8"?>
-<p:sld xmlns:a="http://schemas.openxmlformats.org/drawingml/2006/main" xmlns:r="http://schemas.openxmlformats.org/officeDocument/2006/relationships" xmlns:p="http://schemas.openxmlformats.org/presentationml/2006/main">
-  <p:cSld>
-    <p:spTree>
-      <p:nvGrpSpPr>
-        <p:cNvPr id="1" name=""/>
-        <p:cNvGrpSpPr/>
-        <p:nvPr/>
-      </p:nvGrpSpPr>
-      <p:grpSpPr>
-        <a:xfrm>
-          <a:off x="0" y="0"/>
-          <a:ext cx="0" cy="0"/>
-          <a:chOff x="0" y="0"/>
-          <a:chExt cx="0" cy="0"/>
-        </a:xfrm>
-      </p:grpSpPr>
-      <p:sp>
-        <p:nvSpPr>
-          <p:cNvPr id="3" name="Title 2"/>
-          <p:cNvSpPr>
-            <a:spLocks noGrp="1"/>
-          </p:cNvSpPr>
-          <p:nvPr>
-            <p:ph type="title"/>
-          </p:nvPr>
-        </p:nvSpPr>
-        <p:spPr/>
-        <p:txBody>
-          <a:bodyPr/>
-          <a:lstStyle/>
-          <a:p>
-            <a:pPr algn="ctr"/>
-            <a:r>
-              <a:rPr lang="en-US" dirty="0"/>
-              <a:t>Slide 6: Stolen SecurID Seeds</a:t>
-            </a:r>
-          </a:p>
-        </p:txBody>
-      </p:sp>
-      <p:sp>
-        <p:nvSpPr>
-          <p:cNvPr id="2" name="Content Placeholder 1"/>
-          <p:cNvSpPr>
-            <a:spLocks noGrp="1"/>
-          </p:cNvSpPr>
-          <p:nvPr>
-            <p:ph idx="1"/>
-          </p:nvPr>
-        </p:nvSpPr>
-        <p:spPr/>
-        <p:txBody>
-          <a:bodyPr/>
-          <a:lstStyle/>
-          <a:p>
-            <a:pPr marL="0" indent="0">
-              <a:buNone/>
-            </a:pPr>
-            <a:endParaRPr lang="en-US" dirty="0"/>
-          </a:p>
-          <a:p>
-            <a:pPr marL="0" indent="0">
-              <a:buNone/>
-            </a:pPr>
-            <a:r>
-              <a:rPr lang="en-US" dirty="0"/>
-              <a:t>The theft of the SecurID seeds was an audacious operation that required a high level of sophistication.</a:t>
-            </a:r>
-          </a:p>
-          <a:p>
-            <a:pPr marL="0" indent="0">
-              <a:buNone/>
-            </a:pPr>
-            <a:r>
-              <a:rPr lang="en-US" dirty="0"/>
-              <a:t>We'll emphasize the critical importance of these seeds to the security system, underlining their role in the breach.</a:t>
-            </a:r>
-          </a:p>
-          <a:p>
-            <a:endParaRPr lang="en-US" dirty="0"/>
-          </a:p>
-        </p:txBody>
-      </p:sp>
-    </p:spTree>
-    <p:extLst>
-      <p:ext uri="{BB962C8B-B14F-4D97-AF65-F5344CB8AC3E}">
-        <p14:creationId xmlns:p14="http://schemas.microsoft.com/office/powerpoint/2010/main" val="515381222"/>
-      </p:ext>
-    </p:extLst>
-  </p:cSld>
-  <p:clrMapOvr>
-    <a:masterClrMapping/>
-  </p:clrMapOvr>
-  <mc:AlternateContent xmlns:mc="http://schemas.openxmlformats.org/markup-compatibility/2006" xmlns:p14="http://schemas.microsoft.com/office/powerpoint/2010/main">
-    <mc:Choice Requires="p14">
-      <p:transition spd="med" p14:dur="700">
-        <p:fade/>
-      </p:transition>
-    </mc:Choice>
-    <mc:Fallback xmlns="">
-      <p:transition spd="med">
-        <p:fade/>
-      </p:transition>
-    </mc:Fallback>
-  </mc:AlternateContent>
-</p:sld>
-</file>
-
-<file path=ppt/slides/slide8.xml><?xml version="1.0" encoding="utf-8"?>
-<p:sld xmlns:a="http://schemas.openxmlformats.org/drawingml/2006/main" xmlns:r="http://schemas.openxmlformats.org/officeDocument/2006/relationships" xmlns:p="http://schemas.openxmlformats.org/presentationml/2006/main">
-  <p:cSld>
-    <p:spTree>
-      <p:nvGrpSpPr>
-        <p:cNvPr id="1" name=""/>
-        <p:cNvGrpSpPr/>
-        <p:nvPr/>
-      </p:nvGrpSpPr>
-      <p:grpSpPr>
-        <a:xfrm>
-          <a:off x="0" y="0"/>
-          <a:ext cx="0" cy="0"/>
-          <a:chOff x="0" y="0"/>
-          <a:chExt cx="0" cy="0"/>
-        </a:xfrm>
-      </p:grpSpPr>
-      <p:sp>
-        <p:nvSpPr>
-          <p:cNvPr id="3" name="Title 2"/>
-          <p:cNvSpPr>
-            <a:spLocks noGrp="1"/>
-          </p:cNvSpPr>
-          <p:nvPr>
-            <p:ph type="title"/>
-          </p:nvPr>
-        </p:nvSpPr>
-        <p:spPr/>
-        <p:txBody>
-          <a:bodyPr/>
-          <a:lstStyle/>
-          <a:p>
-            <a:pPr algn="ctr"/>
-            <a:r>
-              <a:rPr lang="en-US" dirty="0"/>
-              <a:t>Slide 7: The When</a:t>
-            </a:r>
-          </a:p>
-        </p:txBody>
-      </p:sp>
-      <p:sp>
-        <p:nvSpPr>
-          <p:cNvPr id="2" name="Content Placeholder 1"/>
-          <p:cNvSpPr>
-            <a:spLocks noGrp="1"/>
-          </p:cNvSpPr>
-          <p:nvPr>
-            <p:ph idx="1"/>
-          </p:nvPr>
-        </p:nvSpPr>
-        <p:spPr/>
-        <p:txBody>
-          <a:bodyPr/>
-          <a:lstStyle/>
-          <a:p>
-            <a:pPr marL="0" indent="0">
-              <a:buNone/>
-            </a:pPr>
-            <a:endParaRPr lang="en-US" dirty="0"/>
-          </a:p>
-          <a:p>
-            <a:pPr marL="0" indent="0">
-              <a:buNone/>
-            </a:pPr>
-            <a:r>
-              <a:rPr lang="en-US" dirty="0"/>
-              <a:t>Understanding the timeline of the breach is crucial to grasp its gravity.</a:t>
-            </a:r>
-          </a:p>
-          <a:p>
-            <a:pPr marL="0" indent="0">
-              <a:buNone/>
-            </a:pPr>
-            <a:r>
-              <a:rPr lang="en-US" dirty="0"/>
-              <a:t>We'll discuss the events from the initial intrusion to the compromise of the seed warehouse, highlighting the sequence of events.</a:t>
-            </a:r>
-          </a:p>
-          <a:p>
-            <a:pPr marL="0" indent="0">
-              <a:buNone/>
-            </a:pPr>
-            <a:endParaRPr lang="en-US" dirty="0"/>
-          </a:p>
-        </p:txBody>
-      </p:sp>
-    </p:spTree>
-    <p:extLst>
-      <p:ext uri="{BB962C8B-B14F-4D97-AF65-F5344CB8AC3E}">
-        <p14:creationId xmlns:p14="http://schemas.microsoft.com/office/powerpoint/2010/main" val="1200217142"/>
+        <p14:creationId xmlns:p14="http://schemas.microsoft.com/office/powerpoint/2010/main" val="3147400969"/>
       </p:ext>
     </p:extLst>
   </p:cSld>
@@ -8992,7 +10030,7 @@
             <a:pPr algn="ctr"/>
             <a:r>
               <a:rPr lang="en-US" dirty="0"/>
-              <a:t>Slide 8: Spring 2011</a:t>
+              <a:t>Slide 3: RSA Security</a:t>
             </a:r>
           </a:p>
         </p:txBody>
@@ -9009,9 +10047,7 @@
         </p:nvSpPr>
         <p:spPr/>
         <p:txBody>
-          <a:bodyPr>
-            <a:normAutofit/>
-          </a:bodyPr>
+          <a:bodyPr/>
           <a:lstStyle/>
           <a:p>
             <a:pPr marL="0" indent="0">
@@ -9025,7 +10061,7 @@
             </a:pPr>
             <a:r>
               <a:rPr lang="en-US" dirty="0"/>
-              <a:t>The breach began in the spring of 2011, marking the beginning of a chain reaction with profound consequences."</a:t>
+              <a:t> RSA Security was a renowned cybersecurity company entrusted with safeguarding digital assets globally.</a:t>
             </a:r>
           </a:p>
           <a:p>
@@ -9034,7 +10070,7 @@
             </a:pPr>
             <a:r>
               <a:rPr lang="en-US" dirty="0"/>
-              <a:t>We'll explore this season as a pivotal moment that set the stage for the breach.</a:t>
+              <a:t>We'll provide an overview of RSA Security, emphasizing its role as a cybersecurity company and the significance of its SecurID product.</a:t>
             </a:r>
           </a:p>
           <a:p>
@@ -9048,7 +10084,7 @@
     </p:spTree>
     <p:extLst>
       <p:ext uri="{BB962C8B-B14F-4D97-AF65-F5344CB8AC3E}">
-        <p14:creationId xmlns:p14="http://schemas.microsoft.com/office/powerpoint/2010/main" val="897847061"/>
+        <p14:creationId xmlns:p14="http://schemas.microsoft.com/office/powerpoint/2010/main" val="249403979"/>
       </p:ext>
     </p:extLst>
   </p:cSld>
